--- a/Projet_Website_VueJS.pptx
+++ b/Projet_Website_VueJS.pptx
@@ -3987,7 +3987,10 @@
           <a:bodyPr/>
           <a:lstStyle/>
           <a:p>
-            <a:endParaRPr lang="fr-FR" dirty="0"/>
+            <a:r>
+              <a:rPr lang="fr-FR" dirty="0"/>
+              <a:t>SALEM</a:t>
+            </a:r>
           </a:p>
         </p:txBody>
       </p:sp>
@@ -4072,7 +4075,10 @@
           <a:bodyPr/>
           <a:lstStyle/>
           <a:p>
-            <a:endParaRPr lang="fr-FR" dirty="0"/>
+            <a:r>
+              <a:rPr lang="fr-FR" dirty="0"/>
+              <a:t>SALEM + CHRISTOPHE</a:t>
+            </a:r>
           </a:p>
         </p:txBody>
       </p:sp>
@@ -4157,7 +4163,10 @@
           <a:bodyPr/>
           <a:lstStyle/>
           <a:p>
-            <a:endParaRPr lang="fr-FR" dirty="0"/>
+            <a:r>
+              <a:rPr lang="fr-FR" dirty="0"/>
+              <a:t>CHRISTOPHE</a:t>
+            </a:r>
           </a:p>
         </p:txBody>
       </p:sp>
@@ -4242,7 +4251,10 @@
           <a:bodyPr/>
           <a:lstStyle/>
           <a:p>
-            <a:endParaRPr lang="fr-FR" dirty="0"/>
+            <a:r>
+              <a:rPr lang="fr-FR" dirty="0"/>
+              <a:t>CHRISTOPHE</a:t>
+            </a:r>
           </a:p>
         </p:txBody>
       </p:sp>
@@ -4327,7 +4339,10 @@
           <a:bodyPr/>
           <a:lstStyle/>
           <a:p>
-            <a:endParaRPr lang="fr-FR" dirty="0"/>
+            <a:r>
+              <a:rPr lang="fr-FR" dirty="0"/>
+              <a:t>SALEM</a:t>
+            </a:r>
           </a:p>
         </p:txBody>
       </p:sp>
@@ -4497,7 +4512,10 @@
           <a:bodyPr/>
           <a:lstStyle/>
           <a:p>
-            <a:endParaRPr lang="fr-FR" dirty="0"/>
+            <a:r>
+              <a:rPr lang="fr-FR" dirty="0"/>
+              <a:t>SALEM</a:t>
+            </a:r>
           </a:p>
         </p:txBody>
       </p:sp>
@@ -4582,7 +4600,10 @@
           <a:bodyPr/>
           <a:lstStyle/>
           <a:p>
-            <a:endParaRPr lang="fr-FR" dirty="0"/>
+            <a:r>
+              <a:rPr lang="fr-FR" dirty="0"/>
+              <a:t>SALEM</a:t>
+            </a:r>
           </a:p>
         </p:txBody>
       </p:sp>
@@ -4667,7 +4688,10 @@
           <a:bodyPr/>
           <a:lstStyle/>
           <a:p>
-            <a:endParaRPr lang="fr-FR" dirty="0"/>
+            <a:r>
+              <a:rPr lang="fr-FR" dirty="0"/>
+              <a:t>CHRISTOPHE</a:t>
+            </a:r>
           </a:p>
         </p:txBody>
       </p:sp>
@@ -4752,7 +4776,10 @@
           <a:bodyPr/>
           <a:lstStyle/>
           <a:p>
-            <a:endParaRPr lang="fr-FR" dirty="0"/>
+            <a:r>
+              <a:rPr lang="fr-FR" dirty="0"/>
+              <a:t>SALEM</a:t>
+            </a:r>
           </a:p>
         </p:txBody>
       </p:sp>
@@ -4837,7 +4864,10 @@
           <a:bodyPr/>
           <a:lstStyle/>
           <a:p>
-            <a:endParaRPr lang="fr-FR" dirty="0"/>
+            <a:r>
+              <a:rPr lang="fr-FR" dirty="0"/>
+              <a:t>SALEM</a:t>
+            </a:r>
           </a:p>
         </p:txBody>
       </p:sp>
@@ -4922,7 +4952,10 @@
           <a:bodyPr/>
           <a:lstStyle/>
           <a:p>
-            <a:endParaRPr lang="fr-FR" dirty="0"/>
+            <a:r>
+              <a:rPr lang="fr-FR" dirty="0"/>
+              <a:t>CHRISTOPHE</a:t>
+            </a:r>
           </a:p>
         </p:txBody>
       </p:sp>
@@ -5007,7 +5040,10 @@
           <a:bodyPr/>
           <a:lstStyle/>
           <a:p>
-            <a:endParaRPr lang="fr-FR" dirty="0"/>
+            <a:r>
+              <a:rPr lang="fr-FR" dirty="0"/>
+              <a:t>SALEM</a:t>
+            </a:r>
           </a:p>
         </p:txBody>
       </p:sp>
@@ -5092,7 +5128,10 @@
           <a:bodyPr/>
           <a:lstStyle/>
           <a:p>
-            <a:endParaRPr lang="fr-FR" dirty="0"/>
+            <a:r>
+              <a:rPr lang="fr-FR" dirty="0"/>
+              <a:t>CHRISTOPHE</a:t>
+            </a:r>
           </a:p>
         </p:txBody>
       </p:sp>
@@ -8413,7 +8452,9 @@
           <a:p>
             <a:pPr rtl="0"/>
             <a:r>
-              <a:rPr lang="fr-FR" dirty="0"/>
+              <a:rPr lang="fr-FR" dirty="0">
+                <a:latin typeface="Arial Rounded MT Bold" panose="020F0704030504030204" pitchFamily="34" charset="0"/>
+              </a:rPr>
               <a:t>Projet : Site Web</a:t>
             </a:r>
           </a:p>
@@ -8436,14 +8477,18 @@
           <a:p>
             <a:pPr rtl="0"/>
             <a:r>
-              <a:rPr lang="fr-FR" dirty="0"/>
+              <a:rPr lang="fr-FR" dirty="0">
+                <a:latin typeface="Arial Rounded MT Bold" panose="020F0704030504030204" pitchFamily="34" charset="0"/>
+              </a:rPr>
               <a:t>ALICHE Salem </a:t>
             </a:r>
           </a:p>
           <a:p>
             <a:pPr rtl="0"/>
             <a:r>
-              <a:rPr lang="fr-FR" dirty="0"/>
+              <a:rPr lang="fr-FR" dirty="0">
+                <a:latin typeface="Arial Rounded MT Bold" panose="020F0704030504030204" pitchFamily="34" charset="0"/>
+              </a:rPr>
               <a:t>LIGNAC Christophe</a:t>
             </a:r>
           </a:p>
@@ -8478,7 +8523,7 @@
         </p:blipFill>
         <p:spPr bwMode="auto">
           <a:xfrm>
-            <a:off x="7837886" y="2343707"/>
+            <a:off x="8236721" y="2343707"/>
             <a:ext cx="2002627" cy="2002627"/>
           </a:xfrm>
           <a:prstGeom prst="rect">
@@ -8590,36 +8635,6 @@
           <a:chExt cx="0" cy="0"/>
         </a:xfrm>
       </p:grpSpPr>
-      <p:pic>
-        <p:nvPicPr>
-          <p:cNvPr id="2" name="Image 1">
-            <a:extLst>
-              <a:ext uri="{FF2B5EF4-FFF2-40B4-BE49-F238E27FC236}">
-                <a16:creationId xmlns:a16="http://schemas.microsoft.com/office/drawing/2014/main" id="{C2BD639F-E3FB-448D-A428-6204890584AD}"/>
-              </a:ext>
-            </a:extLst>
-          </p:cNvPr>
-          <p:cNvPicPr>
-            <a:picLocks noChangeAspect="1"/>
-          </p:cNvPicPr>
-          <p:nvPr/>
-        </p:nvPicPr>
-        <p:blipFill>
-          <a:blip r:embed="rId3"/>
-          <a:stretch>
-            <a:fillRect/>
-          </a:stretch>
-        </p:blipFill>
-        <p:spPr>
-          <a:xfrm>
-            <a:off x="337127" y="1339660"/>
-            <a:ext cx="11517745" cy="4671582"/>
-          </a:xfrm>
-          <a:prstGeom prst="rect">
-            <a:avLst/>
-          </a:prstGeom>
-        </p:spPr>
-      </p:pic>
       <p:sp>
         <p:nvSpPr>
           <p:cNvPr id="3" name="Titre 1">
@@ -8646,7 +8661,10 @@
         <p:txBody>
           <a:bodyPr rtlCol="0"/>
           <a:lstStyle>
-            <a:lvl1pPr algn="l" defTabSz="914400" rtl="0" eaLnBrk="1" latinLnBrk="0" hangingPunct="1">
+            <a:defPPr rtl="0">
+              <a:defRPr lang="fr-fr"/>
+            </a:defPPr>
+            <a:lvl1pPr>
               <a:lnSpc>
                 <a:spcPct val="90000"/>
               </a:lnSpc>
@@ -8654,11 +8672,11 @@
                 <a:spcPct val="0"/>
               </a:spcBef>
               <a:buNone/>
-              <a:defRPr sz="3200" kern="1200">
+              <a:defRPr sz="3200">
                 <a:solidFill>
                   <a:schemeClr val="accent1"/>
                 </a:solidFill>
-                <a:latin typeface="+mj-lt"/>
+                <a:latin typeface="Arial Rounded MT Bold" panose="020F0704030504030204" pitchFamily="34" charset="0"/>
                 <a:ea typeface="+mj-ea"/>
                 <a:cs typeface="+mj-cs"/>
               </a:defRPr>
@@ -8891,7 +8909,7 @@
           <a:p>
             <a:r>
               <a:rPr lang="fr-FR" dirty="0">
-                <a:hlinkClick r:id="rId4"/>
+                <a:hlinkClick r:id="rId3"/>
               </a:rPr>
               <a:t>http://localhost/</a:t>
             </a:r>
@@ -8899,6 +8917,42 @@
           </a:p>
         </p:txBody>
       </p:sp>
+      <p:pic>
+        <p:nvPicPr>
+          <p:cNvPr id="5" name="Image 4">
+            <a:extLst>
+              <a:ext uri="{FF2B5EF4-FFF2-40B4-BE49-F238E27FC236}">
+                <a16:creationId xmlns:a16="http://schemas.microsoft.com/office/drawing/2014/main" id="{E5C03D09-E840-4315-80DD-21EAF1BDB7B2}"/>
+              </a:ext>
+            </a:extLst>
+          </p:cNvPr>
+          <p:cNvPicPr>
+            <a:picLocks noChangeAspect="1"/>
+          </p:cNvPicPr>
+          <p:nvPr/>
+        </p:nvPicPr>
+        <p:blipFill>
+          <a:blip r:embed="rId4"/>
+          <a:stretch>
+            <a:fillRect/>
+          </a:stretch>
+        </p:blipFill>
+        <p:spPr>
+          <a:xfrm>
+            <a:off x="845105" y="1338068"/>
+            <a:ext cx="11053665" cy="4927678"/>
+          </a:xfrm>
+          <a:prstGeom prst="rect">
+            <a:avLst/>
+          </a:prstGeom>
+          <a:noFill/>
+          <a:ln w="57150">
+            <a:solidFill>
+              <a:schemeClr val="accent1"/>
+            </a:solidFill>
+          </a:ln>
+        </p:spPr>
+      </p:pic>
     </p:spTree>
     <p:extLst>
       <p:ext uri="{BB962C8B-B14F-4D97-AF65-F5344CB8AC3E}">
@@ -8955,7 +9009,7 @@
                                           </p:stCondLst>
                                         </p:cTn>
                                         <p:tgtEl>
-                                          <p:spTgt spid="2"/>
+                                          <p:spTgt spid="5"/>
                                         </p:tgtEl>
                                         <p:attrNameLst>
                                           <p:attrName>style.visibility</p:attrName>
@@ -8969,7 +9023,7 @@
                                       <p:cBhvr>
                                         <p:cTn id="7" dur="1000"/>
                                         <p:tgtEl>
-                                          <p:spTgt spid="2"/>
+                                          <p:spTgt spid="5"/>
                                         </p:tgtEl>
                                       </p:cBhvr>
                                     </p:animEffect>
@@ -8977,7 +9031,7 @@
                                       <p:cBhvr>
                                         <p:cTn id="8" dur="1000" fill="hold"/>
                                         <p:tgtEl>
-                                          <p:spTgt spid="2"/>
+                                          <p:spTgt spid="5"/>
                                         </p:tgtEl>
                                         <p:attrNameLst>
                                           <p:attrName>ppt_x</p:attrName>
@@ -9000,7 +9054,7 @@
                                       <p:cBhvr>
                                         <p:cTn id="9" dur="1000" fill="hold"/>
                                         <p:tgtEl>
-                                          <p:spTgt spid="2"/>
+                                          <p:spTgt spid="5"/>
                                         </p:tgtEl>
                                         <p:attrNameLst>
                                           <p:attrName>ppt_y</p:attrName>
@@ -9050,7 +9104,7 @@
                                       <p:cBhvr>
                                         <p:cTn id="13" dur="1000"/>
                                         <p:tgtEl>
-                                          <p:spTgt spid="2"/>
+                                          <p:spTgt spid="5"/>
                                         </p:tgtEl>
                                       </p:cBhvr>
                                     </p:animEffect>
@@ -9058,7 +9112,7 @@
                                       <p:cBhvr>
                                         <p:cTn id="14" dur="1000"/>
                                         <p:tgtEl>
-                                          <p:spTgt spid="2"/>
+                                          <p:spTgt spid="5"/>
                                         </p:tgtEl>
                                         <p:attrNameLst>
                                           <p:attrName>ppt_x</p:attrName>
@@ -9081,7 +9135,7 @@
                                       <p:cBhvr>
                                         <p:cTn id="15" dur="1000"/>
                                         <p:tgtEl>
-                                          <p:spTgt spid="2"/>
+                                          <p:spTgt spid="5"/>
                                         </p:tgtEl>
                                         <p:attrNameLst>
                                           <p:attrName>ppt_y</p:attrName>
@@ -9108,7 +9162,7 @@
                                           </p:stCondLst>
                                         </p:cTn>
                                         <p:tgtEl>
-                                          <p:spTgt spid="2"/>
+                                          <p:spTgt spid="5"/>
                                         </p:tgtEl>
                                         <p:attrNameLst>
                                           <p:attrName>style.visibility</p:attrName>
@@ -9268,9 +9322,10 @@
           <a:bodyPr rtlCol="0"/>
           <a:lstStyle/>
           <a:p>
-            <a:pPr rtl="0"/>
             <a:r>
-              <a:rPr lang="fr-FR" dirty="0"/>
+              <a:rPr lang="fr-FR" dirty="0">
+                <a:latin typeface="Arial Rounded MT Bold" panose="020F0704030504030204" pitchFamily="34" charset="0"/>
+              </a:rPr>
               <a:t>Outils de communication</a:t>
             </a:r>
           </a:p>
@@ -9433,7 +9488,7 @@
         </p:nvSpPr>
         <p:spPr>
           <a:xfrm>
-            <a:off x="7979330" y="457200"/>
+            <a:off x="7979330" y="1060316"/>
             <a:ext cx="3603070" cy="1554480"/>
           </a:xfrm>
           <a:prstGeom prst="rect">
@@ -9441,11 +9496,12 @@
           </a:prstGeom>
         </p:spPr>
         <p:txBody>
-          <a:bodyPr vert="horz" lIns="91440" tIns="45720" rIns="91440" bIns="45720" rtlCol="0" anchor="b">
-            <a:normAutofit/>
-          </a:bodyPr>
+          <a:bodyPr rtlCol="0"/>
           <a:lstStyle>
-            <a:lvl1pPr algn="l" defTabSz="914400" rtl="0" eaLnBrk="1" latinLnBrk="0" hangingPunct="1">
+            <a:defPPr rtl="0">
+              <a:defRPr lang="fr-fr"/>
+            </a:defPPr>
+            <a:lvl1pPr>
               <a:lnSpc>
                 <a:spcPct val="90000"/>
               </a:lnSpc>
@@ -9453,11 +9509,11 @@
                 <a:spcPct val="0"/>
               </a:spcBef>
               <a:buNone/>
-              <a:defRPr sz="3200" kern="1200">
+              <a:defRPr sz="3200">
                 <a:solidFill>
                   <a:schemeClr val="accent1"/>
                 </a:solidFill>
-                <a:latin typeface="+mj-lt"/>
+                <a:latin typeface="Arial Rounded MT Bold" panose="020F0704030504030204" pitchFamily="34" charset="0"/>
                 <a:ea typeface="+mj-ea"/>
                 <a:cs typeface="+mj-cs"/>
               </a:defRPr>
@@ -9626,6 +9682,60 @@
           </a:ln>
         </p:spPr>
       </p:pic>
+      <p:sp>
+        <p:nvSpPr>
+          <p:cNvPr id="18" name="Titre 1">
+            <a:extLst>
+              <a:ext uri="{FF2B5EF4-FFF2-40B4-BE49-F238E27FC236}">
+                <a16:creationId xmlns:a16="http://schemas.microsoft.com/office/drawing/2014/main" id="{7E39CABE-05D6-462F-B516-320CA0BFDFED}"/>
+              </a:ext>
+            </a:extLst>
+          </p:cNvPr>
+          <p:cNvSpPr txBox="1">
+            <a:spLocks/>
+          </p:cNvSpPr>
+          <p:nvPr/>
+        </p:nvSpPr>
+        <p:spPr>
+          <a:xfrm>
+            <a:off x="845105" y="592254"/>
+            <a:ext cx="9601200" cy="1069940"/>
+          </a:xfrm>
+          <a:prstGeom prst="rect">
+            <a:avLst/>
+          </a:prstGeom>
+        </p:spPr>
+        <p:txBody>
+          <a:bodyPr rtlCol="0"/>
+          <a:lstStyle>
+            <a:lvl1pPr algn="l" defTabSz="914400" rtl="0" eaLnBrk="1" latinLnBrk="0" hangingPunct="1">
+              <a:lnSpc>
+                <a:spcPct val="90000"/>
+              </a:lnSpc>
+              <a:spcBef>
+                <a:spcPct val="0"/>
+              </a:spcBef>
+              <a:buNone/>
+              <a:defRPr sz="3200" kern="1200">
+                <a:solidFill>
+                  <a:schemeClr val="accent1"/>
+                </a:solidFill>
+                <a:latin typeface="+mj-lt"/>
+                <a:ea typeface="+mj-ea"/>
+                <a:cs typeface="+mj-cs"/>
+              </a:defRPr>
+            </a:lvl1pPr>
+          </a:lstStyle>
+          <a:p>
+            <a:r>
+              <a:rPr lang="fr-FR" dirty="0">
+                <a:latin typeface="Arial Rounded MT Bold" panose="020F0704030504030204" pitchFamily="34" charset="0"/>
+              </a:rPr>
+              <a:t>CONSTRUCTION</a:t>
+            </a:r>
+          </a:p>
+        </p:txBody>
+      </p:sp>
     </p:spTree>
     <p:extLst>
       <p:ext uri="{BB962C8B-B14F-4D97-AF65-F5344CB8AC3E}">
@@ -10954,8 +11064,10 @@
           </a:lstStyle>
           <a:p>
             <a:r>
-              <a:rPr lang="fr-FR" dirty="0"/>
-              <a:t>Evolutions</a:t>
+              <a:rPr lang="fr-FR" dirty="0">
+                <a:latin typeface="Arial Rounded MT Bold" panose="020F0704030504030204" pitchFamily="34" charset="0"/>
+              </a:rPr>
+              <a:t>EVOLUTIONS</a:t>
             </a:r>
           </a:p>
         </p:txBody>
@@ -12557,8 +12669,10 @@
           <a:p>
             <a:pPr rtl="0"/>
             <a:r>
-              <a:rPr lang="fr-FR" dirty="0"/>
-              <a:t>Conclusion</a:t>
+              <a:rPr lang="fr-FR" dirty="0">
+                <a:latin typeface="Arial Rounded MT Bold" panose="020F0704030504030204" pitchFamily="34" charset="0"/>
+              </a:rPr>
+              <a:t>CONCLUSION</a:t>
             </a:r>
           </a:p>
         </p:txBody>
@@ -12741,6 +12855,333 @@
       </p:transition>
     </mc:Fallback>
   </mc:AlternateContent>
+  <p:timing>
+    <p:tnLst>
+      <p:par>
+        <p:cTn id="1" dur="indefinite" restart="never" nodeType="tmRoot">
+          <p:childTnLst>
+            <p:seq concurrent="1" nextAc="seek">
+              <p:cTn id="2" dur="indefinite" nodeType="mainSeq">
+                <p:childTnLst>
+                  <p:par>
+                    <p:cTn id="3" fill="hold">
+                      <p:stCondLst>
+                        <p:cond delay="indefinite"/>
+                      </p:stCondLst>
+                      <p:childTnLst>
+                        <p:par>
+                          <p:cTn id="4" fill="hold">
+                            <p:stCondLst>
+                              <p:cond delay="0"/>
+                            </p:stCondLst>
+                            <p:childTnLst>
+                              <p:par>
+                                <p:cTn id="5" presetID="42" presetClass="entr" presetSubtype="0" fill="hold" nodeType="clickEffect">
+                                  <p:stCondLst>
+                                    <p:cond delay="0"/>
+                                  </p:stCondLst>
+                                  <p:childTnLst>
+                                    <p:set>
+                                      <p:cBhvr>
+                                        <p:cTn id="6" dur="1" fill="hold">
+                                          <p:stCondLst>
+                                            <p:cond delay="0"/>
+                                          </p:stCondLst>
+                                        </p:cTn>
+                                        <p:tgtEl>
+                                          <p:spTgt spid="10242"/>
+                                        </p:tgtEl>
+                                        <p:attrNameLst>
+                                          <p:attrName>style.visibility</p:attrName>
+                                        </p:attrNameLst>
+                                      </p:cBhvr>
+                                      <p:to>
+                                        <p:strVal val="visible"/>
+                                      </p:to>
+                                    </p:set>
+                                    <p:animEffect transition="in" filter="fade">
+                                      <p:cBhvr>
+                                        <p:cTn id="7" dur="1000"/>
+                                        <p:tgtEl>
+                                          <p:spTgt spid="10242"/>
+                                        </p:tgtEl>
+                                      </p:cBhvr>
+                                    </p:animEffect>
+                                    <p:anim calcmode="lin" valueType="num">
+                                      <p:cBhvr>
+                                        <p:cTn id="8" dur="1000" fill="hold"/>
+                                        <p:tgtEl>
+                                          <p:spTgt spid="10242"/>
+                                        </p:tgtEl>
+                                        <p:attrNameLst>
+                                          <p:attrName>ppt_x</p:attrName>
+                                        </p:attrNameLst>
+                                      </p:cBhvr>
+                                      <p:tavLst>
+                                        <p:tav tm="0">
+                                          <p:val>
+                                            <p:strVal val="#ppt_x"/>
+                                          </p:val>
+                                        </p:tav>
+                                        <p:tav tm="100000">
+                                          <p:val>
+                                            <p:strVal val="#ppt_x"/>
+                                          </p:val>
+                                        </p:tav>
+                                      </p:tavLst>
+                                    </p:anim>
+                                    <p:anim calcmode="lin" valueType="num">
+                                      <p:cBhvr>
+                                        <p:cTn id="9" dur="1000" fill="hold"/>
+                                        <p:tgtEl>
+                                          <p:spTgt spid="10242"/>
+                                        </p:tgtEl>
+                                        <p:attrNameLst>
+                                          <p:attrName>ppt_y</p:attrName>
+                                        </p:attrNameLst>
+                                      </p:cBhvr>
+                                      <p:tavLst>
+                                        <p:tav tm="0">
+                                          <p:val>
+                                            <p:strVal val="#ppt_y+.1"/>
+                                          </p:val>
+                                        </p:tav>
+                                        <p:tav tm="100000">
+                                          <p:val>
+                                            <p:strVal val="#ppt_y"/>
+                                          </p:val>
+                                        </p:tav>
+                                      </p:tavLst>
+                                    </p:anim>
+                                  </p:childTnLst>
+                                </p:cTn>
+                              </p:par>
+                            </p:childTnLst>
+                          </p:cTn>
+                        </p:par>
+                      </p:childTnLst>
+                    </p:cTn>
+                  </p:par>
+                  <p:par>
+                    <p:cTn id="10" fill="hold">
+                      <p:stCondLst>
+                        <p:cond delay="indefinite"/>
+                      </p:stCondLst>
+                      <p:childTnLst>
+                        <p:par>
+                          <p:cTn id="11" fill="hold">
+                            <p:stCondLst>
+                              <p:cond delay="0"/>
+                            </p:stCondLst>
+                            <p:childTnLst>
+                              <p:par>
+                                <p:cTn id="12" presetID="42" presetClass="entr" presetSubtype="0" fill="hold" nodeType="clickEffect">
+                                  <p:stCondLst>
+                                    <p:cond delay="0"/>
+                                  </p:stCondLst>
+                                  <p:childTnLst>
+                                    <p:set>
+                                      <p:cBhvr>
+                                        <p:cTn id="13" dur="1" fill="hold">
+                                          <p:stCondLst>
+                                            <p:cond delay="0"/>
+                                          </p:stCondLst>
+                                        </p:cTn>
+                                        <p:tgtEl>
+                                          <p:spTgt spid="10244"/>
+                                        </p:tgtEl>
+                                        <p:attrNameLst>
+                                          <p:attrName>style.visibility</p:attrName>
+                                        </p:attrNameLst>
+                                      </p:cBhvr>
+                                      <p:to>
+                                        <p:strVal val="visible"/>
+                                      </p:to>
+                                    </p:set>
+                                    <p:animEffect transition="in" filter="fade">
+                                      <p:cBhvr>
+                                        <p:cTn id="14" dur="1000"/>
+                                        <p:tgtEl>
+                                          <p:spTgt spid="10244"/>
+                                        </p:tgtEl>
+                                      </p:cBhvr>
+                                    </p:animEffect>
+                                    <p:anim calcmode="lin" valueType="num">
+                                      <p:cBhvr>
+                                        <p:cTn id="15" dur="1000" fill="hold"/>
+                                        <p:tgtEl>
+                                          <p:spTgt spid="10244"/>
+                                        </p:tgtEl>
+                                        <p:attrNameLst>
+                                          <p:attrName>ppt_x</p:attrName>
+                                        </p:attrNameLst>
+                                      </p:cBhvr>
+                                      <p:tavLst>
+                                        <p:tav tm="0">
+                                          <p:val>
+                                            <p:strVal val="#ppt_x"/>
+                                          </p:val>
+                                        </p:tav>
+                                        <p:tav tm="100000">
+                                          <p:val>
+                                            <p:strVal val="#ppt_x"/>
+                                          </p:val>
+                                        </p:tav>
+                                      </p:tavLst>
+                                    </p:anim>
+                                    <p:anim calcmode="lin" valueType="num">
+                                      <p:cBhvr>
+                                        <p:cTn id="16" dur="1000" fill="hold"/>
+                                        <p:tgtEl>
+                                          <p:spTgt spid="10244"/>
+                                        </p:tgtEl>
+                                        <p:attrNameLst>
+                                          <p:attrName>ppt_y</p:attrName>
+                                        </p:attrNameLst>
+                                      </p:cBhvr>
+                                      <p:tavLst>
+                                        <p:tav tm="0">
+                                          <p:val>
+                                            <p:strVal val="#ppt_y+.1"/>
+                                          </p:val>
+                                        </p:tav>
+                                        <p:tav tm="100000">
+                                          <p:val>
+                                            <p:strVal val="#ppt_y"/>
+                                          </p:val>
+                                        </p:tav>
+                                      </p:tavLst>
+                                    </p:anim>
+                                  </p:childTnLst>
+                                </p:cTn>
+                              </p:par>
+                            </p:childTnLst>
+                          </p:cTn>
+                        </p:par>
+                      </p:childTnLst>
+                    </p:cTn>
+                  </p:par>
+                  <p:par>
+                    <p:cTn id="17" fill="hold">
+                      <p:stCondLst>
+                        <p:cond delay="indefinite"/>
+                      </p:stCondLst>
+                      <p:childTnLst>
+                        <p:par>
+                          <p:cTn id="18" fill="hold">
+                            <p:stCondLst>
+                              <p:cond delay="0"/>
+                            </p:stCondLst>
+                            <p:childTnLst>
+                              <p:par>
+                                <p:cTn id="19" presetID="42" presetClass="entr" presetSubtype="0" fill="hold" nodeType="clickEffect">
+                                  <p:stCondLst>
+                                    <p:cond delay="0"/>
+                                  </p:stCondLst>
+                                  <p:childTnLst>
+                                    <p:set>
+                                      <p:cBhvr>
+                                        <p:cTn id="20" dur="1" fill="hold">
+                                          <p:stCondLst>
+                                            <p:cond delay="0"/>
+                                          </p:stCondLst>
+                                        </p:cTn>
+                                        <p:tgtEl>
+                                          <p:spTgt spid="10246"/>
+                                        </p:tgtEl>
+                                        <p:attrNameLst>
+                                          <p:attrName>style.visibility</p:attrName>
+                                        </p:attrNameLst>
+                                      </p:cBhvr>
+                                      <p:to>
+                                        <p:strVal val="visible"/>
+                                      </p:to>
+                                    </p:set>
+                                    <p:animEffect transition="in" filter="fade">
+                                      <p:cBhvr>
+                                        <p:cTn id="21" dur="1000"/>
+                                        <p:tgtEl>
+                                          <p:spTgt spid="10246"/>
+                                        </p:tgtEl>
+                                      </p:cBhvr>
+                                    </p:animEffect>
+                                    <p:anim calcmode="lin" valueType="num">
+                                      <p:cBhvr>
+                                        <p:cTn id="22" dur="1000" fill="hold"/>
+                                        <p:tgtEl>
+                                          <p:spTgt spid="10246"/>
+                                        </p:tgtEl>
+                                        <p:attrNameLst>
+                                          <p:attrName>ppt_x</p:attrName>
+                                        </p:attrNameLst>
+                                      </p:cBhvr>
+                                      <p:tavLst>
+                                        <p:tav tm="0">
+                                          <p:val>
+                                            <p:strVal val="#ppt_x"/>
+                                          </p:val>
+                                        </p:tav>
+                                        <p:tav tm="100000">
+                                          <p:val>
+                                            <p:strVal val="#ppt_x"/>
+                                          </p:val>
+                                        </p:tav>
+                                      </p:tavLst>
+                                    </p:anim>
+                                    <p:anim calcmode="lin" valueType="num">
+                                      <p:cBhvr>
+                                        <p:cTn id="23" dur="1000" fill="hold"/>
+                                        <p:tgtEl>
+                                          <p:spTgt spid="10246"/>
+                                        </p:tgtEl>
+                                        <p:attrNameLst>
+                                          <p:attrName>ppt_y</p:attrName>
+                                        </p:attrNameLst>
+                                      </p:cBhvr>
+                                      <p:tavLst>
+                                        <p:tav tm="0">
+                                          <p:val>
+                                            <p:strVal val="#ppt_y+.1"/>
+                                          </p:val>
+                                        </p:tav>
+                                        <p:tav tm="100000">
+                                          <p:val>
+                                            <p:strVal val="#ppt_y"/>
+                                          </p:val>
+                                        </p:tav>
+                                      </p:tavLst>
+                                    </p:anim>
+                                  </p:childTnLst>
+                                </p:cTn>
+                              </p:par>
+                            </p:childTnLst>
+                          </p:cTn>
+                        </p:par>
+                      </p:childTnLst>
+                    </p:cTn>
+                  </p:par>
+                </p:childTnLst>
+              </p:cTn>
+              <p:prevCondLst>
+                <p:cond evt="onPrev" delay="0">
+                  <p:tgtEl>
+                    <p:sldTgt/>
+                  </p:tgtEl>
+                </p:cond>
+              </p:prevCondLst>
+              <p:nextCondLst>
+                <p:cond evt="onNext" delay="0">
+                  <p:tgtEl>
+                    <p:sldTgt/>
+                  </p:tgtEl>
+                </p:cond>
+              </p:nextCondLst>
+            </p:seq>
+          </p:childTnLst>
+        </p:cTn>
+      </p:par>
+    </p:tnLst>
+  </p:timing>
 </p:sld>
 </file>
 
@@ -12780,7 +13221,9 @@
           <a:p>
             <a:pPr rtl="0"/>
             <a:r>
-              <a:rPr lang="fr-FR" sz="6000" dirty="0"/>
+              <a:rPr lang="fr-FR" sz="6000" dirty="0">
+                <a:latin typeface="Arial Rounded MT Bold" panose="020F0704030504030204" pitchFamily="34" charset="0"/>
+              </a:rPr>
               <a:t>Questions ?</a:t>
             </a:r>
           </a:p>
@@ -12972,7 +13415,9 @@
           <a:p>
             <a:pPr rtl="0"/>
             <a:r>
-              <a:rPr lang="fr-FR" dirty="0"/>
+              <a:rPr lang="fr-FR" dirty="0">
+                <a:latin typeface="Arial Rounded MT Bold" panose="020F0704030504030204" pitchFamily="34" charset="0"/>
+              </a:rPr>
               <a:t>INTRODUCTION</a:t>
             </a:r>
           </a:p>
@@ -14162,7 +14607,10 @@
           <a:p>
             <a:pPr rtl="0"/>
             <a:r>
-              <a:rPr lang="fr-FR" sz="6000" dirty="0"/>
+              <a:rPr lang="fr-FR" sz="6000" dirty="0">
+                <a:latin typeface="Arial Rounded MT Bold" panose="020F0704030504030204" pitchFamily="34" charset="0"/>
+                <a:cs typeface="Arial" panose="020B0604020202020204" pitchFamily="34" charset="0"/>
+              </a:rPr>
               <a:t>Sommaire</a:t>
             </a:r>
           </a:p>
@@ -14227,8 +14675,13 @@
             <a:pPr lvl="1"/>
             <a:r>
               <a:rPr lang="fr-FR" dirty="0"/>
-              <a:t>JS</a:t>
+              <a:t>JS / </a:t>
             </a:r>
+            <a:r>
+              <a:rPr lang="fr-FR" dirty="0" err="1"/>
+              <a:t>VueJS</a:t>
+            </a:r>
+            <a:endParaRPr lang="fr-FR" dirty="0"/>
           </a:p>
           <a:p>
             <a:r>
@@ -15726,6 +16179,11 @@
 <file path=ppt/slides/slide5.xml><?xml version="1.0" encoding="utf-8"?>
 <p:sld xmlns:a="http://schemas.openxmlformats.org/drawingml/2006/main" xmlns:r="http://schemas.openxmlformats.org/officeDocument/2006/relationships" xmlns:p="http://schemas.openxmlformats.org/presentationml/2006/main">
   <p:cSld>
+    <p:bg>
+      <p:bgRef idx="1001">
+        <a:schemeClr val="bg1"/>
+      </p:bgRef>
+    </p:bg>
     <p:spTree>
       <p:nvGrpSpPr>
         <p:cNvPr id="1" name=""/>
@@ -15755,7 +16213,7 @@
           <p:nvPr/>
         </p:nvPicPr>
         <p:blipFill rotWithShape="1">
-          <a:blip r:embed="rId3">
+          <a:blip r:embed="rId4">
             <a:extLst>
               <a:ext uri="{28A0092B-C50C-407E-A947-70E740481C1C}">
                 <a14:useLocalDpi xmlns:a14="http://schemas.microsoft.com/office/drawing/2010/main" val="0"/>
@@ -15805,7 +16263,7 @@
           <p:nvPr/>
         </p:nvPicPr>
         <p:blipFill rotWithShape="1">
-          <a:blip r:embed="rId4"/>
+          <a:blip r:embed="rId5"/>
           <a:srcRect l="3912" t="1376" r="6718" b="1719"/>
           <a:stretch/>
         </p:blipFill>
@@ -15840,7 +16298,7 @@
           <p:nvPr/>
         </p:nvPicPr>
         <p:blipFill>
-          <a:blip r:embed="rId5"/>
+          <a:blip r:embed="rId6"/>
           <a:stretch>
             <a:fillRect/>
           </a:stretch>
@@ -15849,78 +16307,6 @@
           <a:xfrm>
             <a:off x="950113" y="3745391"/>
             <a:ext cx="2698257" cy="2567274"/>
-          </a:xfrm>
-          <a:prstGeom prst="rect">
-            <a:avLst/>
-          </a:prstGeom>
-          <a:noFill/>
-          <a:ln w="57150">
-            <a:solidFill>
-              <a:schemeClr val="accent1"/>
-            </a:solidFill>
-          </a:ln>
-        </p:spPr>
-      </p:pic>
-      <p:pic>
-        <p:nvPicPr>
-          <p:cNvPr id="4" name="Espace réservé du contenu 3">
-            <a:extLst>
-              <a:ext uri="{FF2B5EF4-FFF2-40B4-BE49-F238E27FC236}">
-                <a16:creationId xmlns:a16="http://schemas.microsoft.com/office/drawing/2014/main" id="{A5868FA5-EDF0-433E-83D9-2FF496178C2D}"/>
-              </a:ext>
-            </a:extLst>
-          </p:cNvPr>
-          <p:cNvPicPr>
-            <a:picLocks noGrp="1" noChangeAspect="1"/>
-          </p:cNvPicPr>
-          <p:nvPr>
-            <p:ph idx="1"/>
-          </p:nvPr>
-        </p:nvPicPr>
-        <p:blipFill rotWithShape="1">
-          <a:blip r:embed="rId6"/>
-          <a:srcRect l="4248" t="1974" r="3575" b="1453"/>
-          <a:stretch/>
-        </p:blipFill>
-        <p:spPr>
-          <a:xfrm>
-            <a:off x="6837645" y="2162441"/>
-            <a:ext cx="2041865" cy="4199137"/>
-          </a:xfrm>
-          <a:prstGeom prst="rect">
-            <a:avLst/>
-          </a:prstGeom>
-          <a:noFill/>
-          <a:ln w="57150">
-            <a:solidFill>
-              <a:schemeClr val="accent1"/>
-            </a:solidFill>
-          </a:ln>
-        </p:spPr>
-      </p:pic>
-      <p:pic>
-        <p:nvPicPr>
-          <p:cNvPr id="6" name="Image 5">
-            <a:extLst>
-              <a:ext uri="{FF2B5EF4-FFF2-40B4-BE49-F238E27FC236}">
-                <a16:creationId xmlns:a16="http://schemas.microsoft.com/office/drawing/2014/main" id="{06367904-0B72-48AE-944A-37D012B247BA}"/>
-              </a:ext>
-            </a:extLst>
-          </p:cNvPr>
-          <p:cNvPicPr>
-            <a:picLocks noChangeAspect="1"/>
-          </p:cNvPicPr>
-          <p:nvPr/>
-        </p:nvPicPr>
-        <p:blipFill rotWithShape="1">
-          <a:blip r:embed="rId7"/>
-          <a:srcRect l="3015" t="69" r="4216" b="3360"/>
-          <a:stretch/>
-        </p:blipFill>
-        <p:spPr>
-          <a:xfrm>
-            <a:off x="9572354" y="2162440"/>
-            <a:ext cx="2054971" cy="4199137"/>
           </a:xfrm>
           <a:prstGeom prst="rect">
             <a:avLst/>
@@ -15961,12 +16347,85 @@
           <a:p>
             <a:pPr rtl="0"/>
             <a:r>
-              <a:rPr lang="fr-FR" dirty="0"/>
+              <a:rPr lang="fr-FR" dirty="0">
+                <a:latin typeface="Arial Rounded MT Bold" panose="020F0704030504030204" pitchFamily="34" charset="0"/>
+              </a:rPr>
               <a:t>LEARNING</a:t>
             </a:r>
           </a:p>
         </p:txBody>
       </p:sp>
+      <p:pic>
+        <p:nvPicPr>
+          <p:cNvPr id="4" name="Espace réservé du contenu 3">
+            <a:extLst>
+              <a:ext uri="{FF2B5EF4-FFF2-40B4-BE49-F238E27FC236}">
+                <a16:creationId xmlns:a16="http://schemas.microsoft.com/office/drawing/2014/main" id="{A5868FA5-EDF0-433E-83D9-2FF496178C2D}"/>
+              </a:ext>
+            </a:extLst>
+          </p:cNvPr>
+          <p:cNvPicPr>
+            <a:picLocks noGrp="1" noChangeAspect="1"/>
+          </p:cNvPicPr>
+          <p:nvPr>
+            <p:ph idx="1"/>
+          </p:nvPr>
+        </p:nvPicPr>
+        <p:blipFill rotWithShape="1">
+          <a:blip r:embed="rId7"/>
+          <a:stretch/>
+        </p:blipFill>
+        <p:spPr>
+          <a:xfrm>
+            <a:off x="6735302" y="2087926"/>
+            <a:ext cx="2246550" cy="4348163"/>
+          </a:xfrm>
+          <a:prstGeom prst="rect">
+            <a:avLst/>
+          </a:prstGeom>
+          <a:noFill/>
+          <a:ln w="57150">
+            <a:solidFill>
+              <a:schemeClr val="accent1"/>
+            </a:solidFill>
+          </a:ln>
+        </p:spPr>
+      </p:pic>
+      <p:pic>
+        <p:nvPicPr>
+          <p:cNvPr id="6" name="Image 5">
+            <a:extLst>
+              <a:ext uri="{FF2B5EF4-FFF2-40B4-BE49-F238E27FC236}">
+                <a16:creationId xmlns:a16="http://schemas.microsoft.com/office/drawing/2014/main" id="{06367904-0B72-48AE-944A-37D012B247BA}"/>
+              </a:ext>
+            </a:extLst>
+          </p:cNvPr>
+          <p:cNvPicPr>
+            <a:picLocks noChangeAspect="1"/>
+          </p:cNvPicPr>
+          <p:nvPr/>
+        </p:nvPicPr>
+        <p:blipFill rotWithShape="1">
+          <a:blip r:embed="rId8"/>
+          <a:srcRect l="3015" t="69" r="4216" b="3360"/>
+          <a:stretch/>
+        </p:blipFill>
+        <p:spPr>
+          <a:xfrm>
+            <a:off x="9572354" y="2162440"/>
+            <a:ext cx="2054971" cy="4199137"/>
+          </a:xfrm>
+          <a:prstGeom prst="rect">
+            <a:avLst/>
+          </a:prstGeom>
+          <a:noFill/>
+          <a:ln w="57150">
+            <a:solidFill>
+              <a:schemeClr val="accent1"/>
+            </a:solidFill>
+          </a:ln>
+        </p:spPr>
+      </p:pic>
     </p:spTree>
     <p:extLst>
       <p:ext uri="{BB962C8B-B14F-4D97-AF65-F5344CB8AC3E}">
@@ -15975,7 +16434,7 @@
     </p:extLst>
   </p:cSld>
   <p:clrMapOvr>
-    <a:masterClrMapping/>
+    <a:overrideClrMapping bg1="dk1" tx1="lt1" bg2="dk2" tx2="lt2" accent1="accent1" accent2="accent2" accent3="accent3" accent4="accent4" accent5="accent5" accent6="accent6" hlink="hlink" folHlink="folHlink"/>
   </p:clrMapOvr>
   <mc:AlternateContent xmlns:mc="http://schemas.openxmlformats.org/markup-compatibility/2006" xmlns:p14="http://schemas.microsoft.com/office/powerpoint/2010/main">
     <mc:Choice Requires="p14">
@@ -16556,7 +17015,9 @@
           <a:p>
             <a:pPr rtl="0"/>
             <a:r>
-              <a:rPr lang="fr-FR" dirty="0"/>
+              <a:rPr lang="fr-FR" dirty="0">
+                <a:latin typeface="Arial Rounded MT Bold" panose="020F0704030504030204" pitchFamily="34" charset="0"/>
+              </a:rPr>
               <a:t>LEARNING</a:t>
             </a:r>
           </a:p>
@@ -18887,7 +19348,9 @@
           </a:lstStyle>
           <a:p>
             <a:r>
-              <a:rPr lang="fr-FR" dirty="0"/>
+              <a:rPr lang="fr-FR" dirty="0">
+                <a:latin typeface="Arial Rounded MT Bold" panose="020F0704030504030204" pitchFamily="34" charset="0"/>
+              </a:rPr>
               <a:t>CONSTRUCTION</a:t>
             </a:r>
           </a:p>
@@ -19150,7 +19613,7 @@
         </p:blipFill>
         <p:spPr bwMode="auto">
           <a:xfrm>
-            <a:off x="9405045" y="2719964"/>
+            <a:off x="9304219" y="2470509"/>
             <a:ext cx="1780310" cy="2565833"/>
           </a:xfrm>
           <a:prstGeom prst="rect">
@@ -19166,6 +19629,42 @@
               </a14:hiddenFill>
             </a:ext>
           </a:extLst>
+        </p:spPr>
+      </p:pic>
+      <p:pic>
+        <p:nvPicPr>
+          <p:cNvPr id="5" name="Image 4">
+            <a:extLst>
+              <a:ext uri="{FF2B5EF4-FFF2-40B4-BE49-F238E27FC236}">
+                <a16:creationId xmlns:a16="http://schemas.microsoft.com/office/drawing/2014/main" id="{E28AE59A-6A4C-417B-8D1C-DFF7D2FB6A33}"/>
+              </a:ext>
+            </a:extLst>
+          </p:cNvPr>
+          <p:cNvPicPr>
+            <a:picLocks noChangeAspect="1"/>
+          </p:cNvPicPr>
+          <p:nvPr/>
+        </p:nvPicPr>
+        <p:blipFill>
+          <a:blip r:embed="rId4"/>
+          <a:stretch>
+            <a:fillRect/>
+          </a:stretch>
+        </p:blipFill>
+        <p:spPr>
+          <a:xfrm>
+            <a:off x="1165278" y="2969418"/>
+            <a:ext cx="6762750" cy="2066925"/>
+          </a:xfrm>
+          <a:prstGeom prst="rect">
+            <a:avLst/>
+          </a:prstGeom>
+          <a:noFill/>
+          <a:ln w="57150">
+            <a:solidFill>
+              <a:schemeClr val="accent1"/>
+            </a:solidFill>
+          </a:ln>
         </p:spPr>
       </p:pic>
     </p:spTree>
@@ -19190,6 +19689,216 @@
       </p:transition>
     </mc:Fallback>
   </mc:AlternateContent>
+  <p:timing>
+    <p:tnLst>
+      <p:par>
+        <p:cTn id="1" dur="indefinite" restart="never" nodeType="tmRoot">
+          <p:childTnLst>
+            <p:seq concurrent="1" nextAc="seek">
+              <p:cTn id="2" dur="indefinite" nodeType="mainSeq">
+                <p:childTnLst>
+                  <p:par>
+                    <p:cTn id="3" fill="hold">
+                      <p:stCondLst>
+                        <p:cond delay="indefinite"/>
+                      </p:stCondLst>
+                      <p:childTnLst>
+                        <p:par>
+                          <p:cTn id="4" fill="hold">
+                            <p:stCondLst>
+                              <p:cond delay="0"/>
+                            </p:stCondLst>
+                            <p:childTnLst>
+                              <p:par>
+                                <p:cTn id="5" presetID="42" presetClass="entr" presetSubtype="0" fill="hold" nodeType="clickEffect">
+                                  <p:stCondLst>
+                                    <p:cond delay="0"/>
+                                  </p:stCondLst>
+                                  <p:childTnLst>
+                                    <p:set>
+                                      <p:cBhvr>
+                                        <p:cTn id="6" dur="1" fill="hold">
+                                          <p:stCondLst>
+                                            <p:cond delay="0"/>
+                                          </p:stCondLst>
+                                        </p:cTn>
+                                        <p:tgtEl>
+                                          <p:spTgt spid="6146"/>
+                                        </p:tgtEl>
+                                        <p:attrNameLst>
+                                          <p:attrName>style.visibility</p:attrName>
+                                        </p:attrNameLst>
+                                      </p:cBhvr>
+                                      <p:to>
+                                        <p:strVal val="visible"/>
+                                      </p:to>
+                                    </p:set>
+                                    <p:animEffect transition="in" filter="fade">
+                                      <p:cBhvr>
+                                        <p:cTn id="7" dur="1000"/>
+                                        <p:tgtEl>
+                                          <p:spTgt spid="6146"/>
+                                        </p:tgtEl>
+                                      </p:cBhvr>
+                                    </p:animEffect>
+                                    <p:anim calcmode="lin" valueType="num">
+                                      <p:cBhvr>
+                                        <p:cTn id="8" dur="1000" fill="hold"/>
+                                        <p:tgtEl>
+                                          <p:spTgt spid="6146"/>
+                                        </p:tgtEl>
+                                        <p:attrNameLst>
+                                          <p:attrName>ppt_x</p:attrName>
+                                        </p:attrNameLst>
+                                      </p:cBhvr>
+                                      <p:tavLst>
+                                        <p:tav tm="0">
+                                          <p:val>
+                                            <p:strVal val="#ppt_x"/>
+                                          </p:val>
+                                        </p:tav>
+                                        <p:tav tm="100000">
+                                          <p:val>
+                                            <p:strVal val="#ppt_x"/>
+                                          </p:val>
+                                        </p:tav>
+                                      </p:tavLst>
+                                    </p:anim>
+                                    <p:anim calcmode="lin" valueType="num">
+                                      <p:cBhvr>
+                                        <p:cTn id="9" dur="1000" fill="hold"/>
+                                        <p:tgtEl>
+                                          <p:spTgt spid="6146"/>
+                                        </p:tgtEl>
+                                        <p:attrNameLst>
+                                          <p:attrName>ppt_y</p:attrName>
+                                        </p:attrNameLst>
+                                      </p:cBhvr>
+                                      <p:tavLst>
+                                        <p:tav tm="0">
+                                          <p:val>
+                                            <p:strVal val="#ppt_y+.1"/>
+                                          </p:val>
+                                        </p:tav>
+                                        <p:tav tm="100000">
+                                          <p:val>
+                                            <p:strVal val="#ppt_y"/>
+                                          </p:val>
+                                        </p:tav>
+                                      </p:tavLst>
+                                    </p:anim>
+                                  </p:childTnLst>
+                                </p:cTn>
+                              </p:par>
+                              <p:par>
+                                <p:cTn id="10" presetID="42" presetClass="entr" presetSubtype="0" fill="hold" nodeType="withEffect">
+                                  <p:stCondLst>
+                                    <p:cond delay="0"/>
+                                  </p:stCondLst>
+                                  <p:childTnLst>
+                                    <p:set>
+                                      <p:cBhvr>
+                                        <p:cTn id="11" dur="1" fill="hold">
+                                          <p:stCondLst>
+                                            <p:cond delay="0"/>
+                                          </p:stCondLst>
+                                        </p:cTn>
+                                        <p:tgtEl>
+                                          <p:spTgt spid="5"/>
+                                        </p:tgtEl>
+                                        <p:attrNameLst>
+                                          <p:attrName>style.visibility</p:attrName>
+                                        </p:attrNameLst>
+                                      </p:cBhvr>
+                                      <p:to>
+                                        <p:strVal val="visible"/>
+                                      </p:to>
+                                    </p:set>
+                                    <p:animEffect transition="in" filter="fade">
+                                      <p:cBhvr>
+                                        <p:cTn id="12" dur="1000"/>
+                                        <p:tgtEl>
+                                          <p:spTgt spid="5"/>
+                                        </p:tgtEl>
+                                      </p:cBhvr>
+                                    </p:animEffect>
+                                    <p:anim calcmode="lin" valueType="num">
+                                      <p:cBhvr>
+                                        <p:cTn id="13" dur="1000" fill="hold"/>
+                                        <p:tgtEl>
+                                          <p:spTgt spid="5"/>
+                                        </p:tgtEl>
+                                        <p:attrNameLst>
+                                          <p:attrName>ppt_x</p:attrName>
+                                        </p:attrNameLst>
+                                      </p:cBhvr>
+                                      <p:tavLst>
+                                        <p:tav tm="0">
+                                          <p:val>
+                                            <p:strVal val="#ppt_x"/>
+                                          </p:val>
+                                        </p:tav>
+                                        <p:tav tm="100000">
+                                          <p:val>
+                                            <p:strVal val="#ppt_x"/>
+                                          </p:val>
+                                        </p:tav>
+                                      </p:tavLst>
+                                    </p:anim>
+                                    <p:anim calcmode="lin" valueType="num">
+                                      <p:cBhvr>
+                                        <p:cTn id="14" dur="1000" fill="hold"/>
+                                        <p:tgtEl>
+                                          <p:spTgt spid="5"/>
+                                        </p:tgtEl>
+                                        <p:attrNameLst>
+                                          <p:attrName>ppt_y</p:attrName>
+                                        </p:attrNameLst>
+                                      </p:cBhvr>
+                                      <p:tavLst>
+                                        <p:tav tm="0">
+                                          <p:val>
+                                            <p:strVal val="#ppt_y+.1"/>
+                                          </p:val>
+                                        </p:tav>
+                                        <p:tav tm="100000">
+                                          <p:val>
+                                            <p:strVal val="#ppt_y"/>
+                                          </p:val>
+                                        </p:tav>
+                                      </p:tavLst>
+                                    </p:anim>
+                                  </p:childTnLst>
+                                </p:cTn>
+                              </p:par>
+                            </p:childTnLst>
+                          </p:cTn>
+                        </p:par>
+                      </p:childTnLst>
+                    </p:cTn>
+                  </p:par>
+                </p:childTnLst>
+              </p:cTn>
+              <p:prevCondLst>
+                <p:cond evt="onPrev" delay="0">
+                  <p:tgtEl>
+                    <p:sldTgt/>
+                  </p:tgtEl>
+                </p:cond>
+              </p:prevCondLst>
+              <p:nextCondLst>
+                <p:cond evt="onNext" delay="0">
+                  <p:tgtEl>
+                    <p:sldTgt/>
+                  </p:tgtEl>
+                </p:cond>
+              </p:nextCondLst>
+            </p:seq>
+          </p:childTnLst>
+        </p:cTn>
+      </p:par>
+    </p:tnLst>
+  </p:timing>
 </p:sld>
 </file>
 
@@ -19210,58 +19919,6 @@
           <a:chExt cx="0" cy="0"/>
         </a:xfrm>
       </p:grpSpPr>
-      <p:sp>
-        <p:nvSpPr>
-          <p:cNvPr id="3" name="Titre 1">
-            <a:extLst>
-              <a:ext uri="{FF2B5EF4-FFF2-40B4-BE49-F238E27FC236}">
-                <a16:creationId xmlns:a16="http://schemas.microsoft.com/office/drawing/2014/main" id="{FB48C0B5-B6DD-430A-BA67-CC1B5C390D96}"/>
-              </a:ext>
-            </a:extLst>
-          </p:cNvPr>
-          <p:cNvSpPr txBox="1">
-            <a:spLocks/>
-          </p:cNvSpPr>
-          <p:nvPr/>
-        </p:nvSpPr>
-        <p:spPr>
-          <a:xfrm>
-            <a:off x="845105" y="592254"/>
-            <a:ext cx="9601200" cy="1069940"/>
-          </a:xfrm>
-          <a:prstGeom prst="rect">
-            <a:avLst/>
-          </a:prstGeom>
-        </p:spPr>
-        <p:txBody>
-          <a:bodyPr rtlCol="0"/>
-          <a:lstStyle>
-            <a:lvl1pPr algn="l" defTabSz="914400" rtl="0" eaLnBrk="1" latinLnBrk="0" hangingPunct="1">
-              <a:lnSpc>
-                <a:spcPct val="90000"/>
-              </a:lnSpc>
-              <a:spcBef>
-                <a:spcPct val="0"/>
-              </a:spcBef>
-              <a:buNone/>
-              <a:defRPr sz="3200" kern="1200">
-                <a:solidFill>
-                  <a:schemeClr val="accent1"/>
-                </a:solidFill>
-                <a:latin typeface="+mj-lt"/>
-                <a:ea typeface="+mj-ea"/>
-                <a:cs typeface="+mj-cs"/>
-              </a:defRPr>
-            </a:lvl1pPr>
-          </a:lstStyle>
-          <a:p>
-            <a:r>
-              <a:rPr lang="fr-FR" dirty="0"/>
-              <a:t>CONSTRUCTION</a:t>
-            </a:r>
-          </a:p>
-        </p:txBody>
-      </p:sp>
       <p:sp>
         <p:nvSpPr>
           <p:cNvPr id="4" name="Espace réservé du contenu 2">
@@ -19534,54 +20191,48 @@
           </a:extLst>
         </p:spPr>
       </p:pic>
-    </p:spTree>
-    <p:extLst>
-      <p:ext uri="{BB962C8B-B14F-4D97-AF65-F5344CB8AC3E}">
-        <p14:creationId xmlns:p14="http://schemas.microsoft.com/office/powerpoint/2010/main" val="42312328"/>
-      </p:ext>
-    </p:extLst>
-  </p:cSld>
-  <p:clrMapOvr>
-    <a:masterClrMapping/>
-  </p:clrMapOvr>
-  <mc:AlternateContent xmlns:mc="http://schemas.openxmlformats.org/markup-compatibility/2006" xmlns:p14="http://schemas.microsoft.com/office/powerpoint/2010/main">
-    <mc:Choice Requires="p14">
-      <p:transition spd="med" p14:dur="700">
-        <p:fade/>
-      </p:transition>
-    </mc:Choice>
-    <mc:Fallback xmlns="">
-      <p:transition spd="med">
-        <p:fade/>
-      </p:transition>
-    </mc:Fallback>
-  </mc:AlternateContent>
-</p:sld>
-</file>
-
-<file path=ppt/slides/slide9.xml><?xml version="1.0" encoding="utf-8"?>
-<p:sld xmlns:a="http://schemas.openxmlformats.org/drawingml/2006/main" xmlns:r="http://schemas.openxmlformats.org/officeDocument/2006/relationships" xmlns:p="http://schemas.openxmlformats.org/presentationml/2006/main">
-  <p:cSld>
-    <p:spTree>
-      <p:nvGrpSpPr>
-        <p:cNvPr id="1" name=""/>
-        <p:cNvGrpSpPr/>
-        <p:nvPr/>
-      </p:nvGrpSpPr>
-      <p:grpSpPr>
-        <a:xfrm>
-          <a:off x="0" y="0"/>
-          <a:ext cx="0" cy="0"/>
-          <a:chOff x="0" y="0"/>
-          <a:chExt cx="0" cy="0"/>
-        </a:xfrm>
-      </p:grpSpPr>
+      <p:pic>
+        <p:nvPicPr>
+          <p:cNvPr id="2" name="Image 1">
+            <a:extLst>
+              <a:ext uri="{FF2B5EF4-FFF2-40B4-BE49-F238E27FC236}">
+                <a16:creationId xmlns:a16="http://schemas.microsoft.com/office/drawing/2014/main" id="{DAE46451-3DF1-46E7-9F4B-920C9AC80431}"/>
+              </a:ext>
+            </a:extLst>
+          </p:cNvPr>
+          <p:cNvPicPr>
+            <a:picLocks noChangeAspect="1"/>
+          </p:cNvPicPr>
+          <p:nvPr/>
+        </p:nvPicPr>
+        <p:blipFill>
+          <a:blip r:embed="rId4"/>
+          <a:stretch>
+            <a:fillRect/>
+          </a:stretch>
+        </p:blipFill>
+        <p:spPr>
+          <a:xfrm>
+            <a:off x="4495943" y="288492"/>
+            <a:ext cx="4105275" cy="6410325"/>
+          </a:xfrm>
+          <a:prstGeom prst="rect">
+            <a:avLst/>
+          </a:prstGeom>
+          <a:noFill/>
+          <a:ln w="57150">
+            <a:solidFill>
+              <a:schemeClr val="accent1"/>
+            </a:solidFill>
+          </a:ln>
+        </p:spPr>
+      </p:pic>
       <p:sp>
         <p:nvSpPr>
-          <p:cNvPr id="3" name="Titre 1">
+          <p:cNvPr id="9" name="Titre 1">
             <a:extLst>
               <a:ext uri="{FF2B5EF4-FFF2-40B4-BE49-F238E27FC236}">
-                <a16:creationId xmlns:a16="http://schemas.microsoft.com/office/drawing/2014/main" id="{FB48C0B5-B6DD-430A-BA67-CC1B5C390D96}"/>
+                <a16:creationId xmlns:a16="http://schemas.microsoft.com/office/drawing/2014/main" id="{5A41C7F6-CAFE-4F3A-9F31-2B155B408A66}"/>
               </a:ext>
             </a:extLst>
           </p:cNvPr>
@@ -19622,12 +20273,266 @@
           </a:lstStyle>
           <a:p>
             <a:r>
-              <a:rPr lang="fr-FR" dirty="0"/>
+              <a:rPr lang="fr-FR" dirty="0">
+                <a:latin typeface="Arial Rounded MT Bold" panose="020F0704030504030204" pitchFamily="34" charset="0"/>
+              </a:rPr>
               <a:t>CONSTRUCTION</a:t>
             </a:r>
           </a:p>
         </p:txBody>
       </p:sp>
+    </p:spTree>
+    <p:extLst>
+      <p:ext uri="{BB962C8B-B14F-4D97-AF65-F5344CB8AC3E}">
+        <p14:creationId xmlns:p14="http://schemas.microsoft.com/office/powerpoint/2010/main" val="42312328"/>
+      </p:ext>
+    </p:extLst>
+  </p:cSld>
+  <p:clrMapOvr>
+    <a:masterClrMapping/>
+  </p:clrMapOvr>
+  <mc:AlternateContent xmlns:mc="http://schemas.openxmlformats.org/markup-compatibility/2006" xmlns:p14="http://schemas.microsoft.com/office/powerpoint/2010/main">
+    <mc:Choice Requires="p14">
+      <p:transition spd="med" p14:dur="700">
+        <p:fade/>
+      </p:transition>
+    </mc:Choice>
+    <mc:Fallback xmlns="">
+      <p:transition spd="med">
+        <p:fade/>
+      </p:transition>
+    </mc:Fallback>
+  </mc:AlternateContent>
+  <p:timing>
+    <p:tnLst>
+      <p:par>
+        <p:cTn id="1" dur="indefinite" restart="never" nodeType="tmRoot">
+          <p:childTnLst>
+            <p:seq concurrent="1" nextAc="seek">
+              <p:cTn id="2" dur="indefinite" nodeType="mainSeq">
+                <p:childTnLst>
+                  <p:par>
+                    <p:cTn id="3" fill="hold">
+                      <p:stCondLst>
+                        <p:cond delay="indefinite"/>
+                      </p:stCondLst>
+                      <p:childTnLst>
+                        <p:par>
+                          <p:cTn id="4" fill="hold">
+                            <p:stCondLst>
+                              <p:cond delay="0"/>
+                            </p:stCondLst>
+                            <p:childTnLst>
+                              <p:par>
+                                <p:cTn id="5" presetID="42" presetClass="entr" presetSubtype="0" fill="hold" nodeType="clickEffect">
+                                  <p:stCondLst>
+                                    <p:cond delay="0"/>
+                                  </p:stCondLst>
+                                  <p:childTnLst>
+                                    <p:set>
+                                      <p:cBhvr>
+                                        <p:cTn id="6" dur="1" fill="hold">
+                                          <p:stCondLst>
+                                            <p:cond delay="0"/>
+                                          </p:stCondLst>
+                                        </p:cTn>
+                                        <p:tgtEl>
+                                          <p:spTgt spid="5122"/>
+                                        </p:tgtEl>
+                                        <p:attrNameLst>
+                                          <p:attrName>style.visibility</p:attrName>
+                                        </p:attrNameLst>
+                                      </p:cBhvr>
+                                      <p:to>
+                                        <p:strVal val="visible"/>
+                                      </p:to>
+                                    </p:set>
+                                    <p:animEffect transition="in" filter="fade">
+                                      <p:cBhvr>
+                                        <p:cTn id="7" dur="1000"/>
+                                        <p:tgtEl>
+                                          <p:spTgt spid="5122"/>
+                                        </p:tgtEl>
+                                      </p:cBhvr>
+                                    </p:animEffect>
+                                    <p:anim calcmode="lin" valueType="num">
+                                      <p:cBhvr>
+                                        <p:cTn id="8" dur="1000" fill="hold"/>
+                                        <p:tgtEl>
+                                          <p:spTgt spid="5122"/>
+                                        </p:tgtEl>
+                                        <p:attrNameLst>
+                                          <p:attrName>ppt_x</p:attrName>
+                                        </p:attrNameLst>
+                                      </p:cBhvr>
+                                      <p:tavLst>
+                                        <p:tav tm="0">
+                                          <p:val>
+                                            <p:strVal val="#ppt_x"/>
+                                          </p:val>
+                                        </p:tav>
+                                        <p:tav tm="100000">
+                                          <p:val>
+                                            <p:strVal val="#ppt_x"/>
+                                          </p:val>
+                                        </p:tav>
+                                      </p:tavLst>
+                                    </p:anim>
+                                    <p:anim calcmode="lin" valueType="num">
+                                      <p:cBhvr>
+                                        <p:cTn id="9" dur="1000" fill="hold"/>
+                                        <p:tgtEl>
+                                          <p:spTgt spid="5122"/>
+                                        </p:tgtEl>
+                                        <p:attrNameLst>
+                                          <p:attrName>ppt_y</p:attrName>
+                                        </p:attrNameLst>
+                                      </p:cBhvr>
+                                      <p:tavLst>
+                                        <p:tav tm="0">
+                                          <p:val>
+                                            <p:strVal val="#ppt_y+.1"/>
+                                          </p:val>
+                                        </p:tav>
+                                        <p:tav tm="100000">
+                                          <p:val>
+                                            <p:strVal val="#ppt_y"/>
+                                          </p:val>
+                                        </p:tav>
+                                      </p:tavLst>
+                                    </p:anim>
+                                  </p:childTnLst>
+                                </p:cTn>
+                              </p:par>
+                              <p:par>
+                                <p:cTn id="10" presetID="42" presetClass="entr" presetSubtype="0" fill="hold" nodeType="withEffect">
+                                  <p:stCondLst>
+                                    <p:cond delay="0"/>
+                                  </p:stCondLst>
+                                  <p:childTnLst>
+                                    <p:set>
+                                      <p:cBhvr>
+                                        <p:cTn id="11" dur="1" fill="hold">
+                                          <p:stCondLst>
+                                            <p:cond delay="0"/>
+                                          </p:stCondLst>
+                                        </p:cTn>
+                                        <p:tgtEl>
+                                          <p:spTgt spid="2"/>
+                                        </p:tgtEl>
+                                        <p:attrNameLst>
+                                          <p:attrName>style.visibility</p:attrName>
+                                        </p:attrNameLst>
+                                      </p:cBhvr>
+                                      <p:to>
+                                        <p:strVal val="visible"/>
+                                      </p:to>
+                                    </p:set>
+                                    <p:animEffect transition="in" filter="fade">
+                                      <p:cBhvr>
+                                        <p:cTn id="12" dur="1000"/>
+                                        <p:tgtEl>
+                                          <p:spTgt spid="2"/>
+                                        </p:tgtEl>
+                                      </p:cBhvr>
+                                    </p:animEffect>
+                                    <p:anim calcmode="lin" valueType="num">
+                                      <p:cBhvr>
+                                        <p:cTn id="13" dur="1000" fill="hold"/>
+                                        <p:tgtEl>
+                                          <p:spTgt spid="2"/>
+                                        </p:tgtEl>
+                                        <p:attrNameLst>
+                                          <p:attrName>ppt_x</p:attrName>
+                                        </p:attrNameLst>
+                                      </p:cBhvr>
+                                      <p:tavLst>
+                                        <p:tav tm="0">
+                                          <p:val>
+                                            <p:strVal val="#ppt_x"/>
+                                          </p:val>
+                                        </p:tav>
+                                        <p:tav tm="100000">
+                                          <p:val>
+                                            <p:strVal val="#ppt_x"/>
+                                          </p:val>
+                                        </p:tav>
+                                      </p:tavLst>
+                                    </p:anim>
+                                    <p:anim calcmode="lin" valueType="num">
+                                      <p:cBhvr>
+                                        <p:cTn id="14" dur="1000" fill="hold"/>
+                                        <p:tgtEl>
+                                          <p:spTgt spid="2"/>
+                                        </p:tgtEl>
+                                        <p:attrNameLst>
+                                          <p:attrName>ppt_y</p:attrName>
+                                        </p:attrNameLst>
+                                      </p:cBhvr>
+                                      <p:tavLst>
+                                        <p:tav tm="0">
+                                          <p:val>
+                                            <p:strVal val="#ppt_y+.1"/>
+                                          </p:val>
+                                        </p:tav>
+                                        <p:tav tm="100000">
+                                          <p:val>
+                                            <p:strVal val="#ppt_y"/>
+                                          </p:val>
+                                        </p:tav>
+                                      </p:tavLst>
+                                    </p:anim>
+                                  </p:childTnLst>
+                                </p:cTn>
+                              </p:par>
+                            </p:childTnLst>
+                          </p:cTn>
+                        </p:par>
+                      </p:childTnLst>
+                    </p:cTn>
+                  </p:par>
+                </p:childTnLst>
+              </p:cTn>
+              <p:prevCondLst>
+                <p:cond evt="onPrev" delay="0">
+                  <p:tgtEl>
+                    <p:sldTgt/>
+                  </p:tgtEl>
+                </p:cond>
+              </p:prevCondLst>
+              <p:nextCondLst>
+                <p:cond evt="onNext" delay="0">
+                  <p:tgtEl>
+                    <p:sldTgt/>
+                  </p:tgtEl>
+                </p:cond>
+              </p:nextCondLst>
+            </p:seq>
+          </p:childTnLst>
+        </p:cTn>
+      </p:par>
+    </p:tnLst>
+  </p:timing>
+</p:sld>
+</file>
+
+<file path=ppt/slides/slide9.xml><?xml version="1.0" encoding="utf-8"?>
+<p:sld xmlns:a="http://schemas.openxmlformats.org/drawingml/2006/main" xmlns:r="http://schemas.openxmlformats.org/officeDocument/2006/relationships" xmlns:p="http://schemas.openxmlformats.org/presentationml/2006/main">
+  <p:cSld>
+    <p:spTree>
+      <p:nvGrpSpPr>
+        <p:cNvPr id="1" name=""/>
+        <p:cNvGrpSpPr/>
+        <p:nvPr/>
+      </p:nvGrpSpPr>
+      <p:grpSpPr>
+        <a:xfrm>
+          <a:off x="0" y="0"/>
+          <a:ext cx="0" cy="0"/>
+          <a:chOff x="0" y="0"/>
+          <a:chExt cx="0" cy="0"/>
+        </a:xfrm>
+      </p:grpSpPr>
       <p:sp>
         <p:nvSpPr>
           <p:cNvPr id="4" name="Espace réservé du contenu 2">
@@ -19847,8 +20752,13 @@
           <a:p>
             <a:r>
               <a:rPr lang="fr-FR" dirty="0"/>
-              <a:t>JavaScript</a:t>
+              <a:t>JavaScript / </a:t>
             </a:r>
+            <a:r>
+              <a:rPr lang="fr-FR" dirty="0" err="1"/>
+              <a:t>VueJS</a:t>
+            </a:r>
+            <a:endParaRPr lang="fr-FR" dirty="0"/>
           </a:p>
           <a:p>
             <a:endParaRPr lang="fr-FR" dirty="0"/>
@@ -19902,6 +20812,179 @@
           </a:extLst>
         </p:spPr>
       </p:pic>
+      <p:pic>
+        <p:nvPicPr>
+          <p:cNvPr id="2" name="Image 1">
+            <a:extLst>
+              <a:ext uri="{FF2B5EF4-FFF2-40B4-BE49-F238E27FC236}">
+                <a16:creationId xmlns:a16="http://schemas.microsoft.com/office/drawing/2014/main" id="{813B415A-4989-4FA4-9CA1-E093843FE927}"/>
+              </a:ext>
+            </a:extLst>
+          </p:cNvPr>
+          <p:cNvPicPr>
+            <a:picLocks noChangeAspect="1"/>
+          </p:cNvPicPr>
+          <p:nvPr/>
+        </p:nvPicPr>
+        <p:blipFill>
+          <a:blip r:embed="rId4"/>
+          <a:stretch>
+            <a:fillRect/>
+          </a:stretch>
+        </p:blipFill>
+        <p:spPr>
+          <a:xfrm>
+            <a:off x="2124363" y="2332125"/>
+            <a:ext cx="5724814" cy="4111608"/>
+          </a:xfrm>
+          <a:prstGeom prst="rect">
+            <a:avLst/>
+          </a:prstGeom>
+          <a:noFill/>
+          <a:ln w="57150">
+            <a:solidFill>
+              <a:schemeClr val="accent1"/>
+            </a:solidFill>
+          </a:ln>
+        </p:spPr>
+      </p:pic>
+      <p:pic>
+        <p:nvPicPr>
+          <p:cNvPr id="4100" name="Picture 4" descr="Résultat de recherche d'images pour &quot;vuejs&quot;">
+            <a:extLst>
+              <a:ext uri="{FF2B5EF4-FFF2-40B4-BE49-F238E27FC236}">
+                <a16:creationId xmlns:a16="http://schemas.microsoft.com/office/drawing/2014/main" id="{B071B1B0-0131-472E-9625-08C8D6B95650}"/>
+              </a:ext>
+            </a:extLst>
+          </p:cNvPr>
+          <p:cNvPicPr>
+            <a:picLocks noChangeAspect="1" noChangeArrowheads="1"/>
+          </p:cNvPicPr>
+          <p:nvPr/>
+        </p:nvPicPr>
+        <p:blipFill>
+          <a:blip r:embed="rId5">
+            <a:extLst>
+              <a:ext uri="{28A0092B-C50C-407E-A947-70E740481C1C}">
+                <a14:useLocalDpi xmlns:a14="http://schemas.microsoft.com/office/drawing/2010/main" val="0"/>
+              </a:ext>
+            </a:extLst>
+          </a:blip>
+          <a:srcRect/>
+          <a:stretch>
+            <a:fillRect/>
+          </a:stretch>
+        </p:blipFill>
+        <p:spPr bwMode="auto">
+          <a:xfrm>
+            <a:off x="8783394" y="2704883"/>
+            <a:ext cx="2924660" cy="2960399"/>
+          </a:xfrm>
+          <a:prstGeom prst="rect">
+            <a:avLst/>
+          </a:prstGeom>
+          <a:noFill/>
+          <a:extLst>
+            <a:ext uri="{909E8E84-426E-40DD-AFC4-6F175D3DCCD1}">
+              <a14:hiddenFill xmlns:a14="http://schemas.microsoft.com/office/drawing/2010/main">
+                <a:solidFill>
+                  <a:srgbClr val="FFFFFF"/>
+                </a:solidFill>
+              </a14:hiddenFill>
+            </a:ext>
+          </a:extLst>
+        </p:spPr>
+      </p:pic>
+      <p:pic>
+        <p:nvPicPr>
+          <p:cNvPr id="7" name="Image 6">
+            <a:extLst>
+              <a:ext uri="{FF2B5EF4-FFF2-40B4-BE49-F238E27FC236}">
+                <a16:creationId xmlns:a16="http://schemas.microsoft.com/office/drawing/2014/main" id="{32D873A7-0DDF-432F-A0C1-11BC32451A1F}"/>
+              </a:ext>
+            </a:extLst>
+          </p:cNvPr>
+          <p:cNvPicPr>
+            <a:picLocks noChangeAspect="1"/>
+          </p:cNvPicPr>
+          <p:nvPr/>
+        </p:nvPicPr>
+        <p:blipFill>
+          <a:blip r:embed="rId6"/>
+          <a:stretch>
+            <a:fillRect/>
+          </a:stretch>
+        </p:blipFill>
+        <p:spPr>
+          <a:xfrm>
+            <a:off x="2269114" y="2267157"/>
+            <a:ext cx="5435311" cy="4241543"/>
+          </a:xfrm>
+          <a:prstGeom prst="rect">
+            <a:avLst/>
+          </a:prstGeom>
+          <a:noFill/>
+          <a:ln w="57150">
+            <a:solidFill>
+              <a:schemeClr val="accent1"/>
+            </a:solidFill>
+          </a:ln>
+        </p:spPr>
+      </p:pic>
+      <p:sp>
+        <p:nvSpPr>
+          <p:cNvPr id="12" name="Titre 1">
+            <a:extLst>
+              <a:ext uri="{FF2B5EF4-FFF2-40B4-BE49-F238E27FC236}">
+                <a16:creationId xmlns:a16="http://schemas.microsoft.com/office/drawing/2014/main" id="{0F09FBF8-86CF-44B3-B86F-013DE1C1601F}"/>
+              </a:ext>
+            </a:extLst>
+          </p:cNvPr>
+          <p:cNvSpPr txBox="1">
+            <a:spLocks/>
+          </p:cNvSpPr>
+          <p:nvPr/>
+        </p:nvSpPr>
+        <p:spPr>
+          <a:xfrm>
+            <a:off x="845105" y="592254"/>
+            <a:ext cx="9601200" cy="1069940"/>
+          </a:xfrm>
+          <a:prstGeom prst="rect">
+            <a:avLst/>
+          </a:prstGeom>
+        </p:spPr>
+        <p:txBody>
+          <a:bodyPr rtlCol="0"/>
+          <a:lstStyle>
+            <a:lvl1pPr algn="l" defTabSz="914400" rtl="0" eaLnBrk="1" latinLnBrk="0" hangingPunct="1">
+              <a:lnSpc>
+                <a:spcPct val="90000"/>
+              </a:lnSpc>
+              <a:spcBef>
+                <a:spcPct val="0"/>
+              </a:spcBef>
+              <a:buNone/>
+              <a:defRPr sz="3200" kern="1200">
+                <a:solidFill>
+                  <a:schemeClr val="accent1"/>
+                </a:solidFill>
+                <a:latin typeface="+mj-lt"/>
+                <a:ea typeface="+mj-ea"/>
+                <a:cs typeface="+mj-cs"/>
+              </a:defRPr>
+            </a:lvl1pPr>
+          </a:lstStyle>
+          <a:p>
+            <a:r>
+              <a:rPr lang="fr-FR" dirty="0">
+                <a:latin typeface="Arial Rounded MT Bold" panose="020F0704030504030204" pitchFamily="34" charset="0"/>
+              </a:rPr>
+              <a:t>CONSTRUCTION</a:t>
+            </a:r>
+          </a:p>
+        </p:txBody>
+      </p:sp>
     </p:spTree>
     <p:extLst>
       <p:ext uri="{BB962C8B-B14F-4D97-AF65-F5344CB8AC3E}">
@@ -19924,6 +21007,558 @@
       </p:transition>
     </mc:Fallback>
   </mc:AlternateContent>
+  <p:timing>
+    <p:tnLst>
+      <p:par>
+        <p:cTn id="1" dur="indefinite" restart="never" nodeType="tmRoot">
+          <p:childTnLst>
+            <p:seq concurrent="1" nextAc="seek">
+              <p:cTn id="2" dur="indefinite" nodeType="mainSeq">
+                <p:childTnLst>
+                  <p:par>
+                    <p:cTn id="3" fill="hold">
+                      <p:stCondLst>
+                        <p:cond delay="indefinite"/>
+                      </p:stCondLst>
+                      <p:childTnLst>
+                        <p:par>
+                          <p:cTn id="4" fill="hold">
+                            <p:stCondLst>
+                              <p:cond delay="0"/>
+                            </p:stCondLst>
+                            <p:childTnLst>
+                              <p:par>
+                                <p:cTn id="5" presetID="42" presetClass="entr" presetSubtype="0" fill="hold" nodeType="clickEffect">
+                                  <p:stCondLst>
+                                    <p:cond delay="0"/>
+                                  </p:stCondLst>
+                                  <p:childTnLst>
+                                    <p:set>
+                                      <p:cBhvr>
+                                        <p:cTn id="6" dur="1" fill="hold">
+                                          <p:stCondLst>
+                                            <p:cond delay="0"/>
+                                          </p:stCondLst>
+                                        </p:cTn>
+                                        <p:tgtEl>
+                                          <p:spTgt spid="4098"/>
+                                        </p:tgtEl>
+                                        <p:attrNameLst>
+                                          <p:attrName>style.visibility</p:attrName>
+                                        </p:attrNameLst>
+                                      </p:cBhvr>
+                                      <p:to>
+                                        <p:strVal val="visible"/>
+                                      </p:to>
+                                    </p:set>
+                                    <p:animEffect transition="in" filter="fade">
+                                      <p:cBhvr>
+                                        <p:cTn id="7" dur="1000"/>
+                                        <p:tgtEl>
+                                          <p:spTgt spid="4098"/>
+                                        </p:tgtEl>
+                                      </p:cBhvr>
+                                    </p:animEffect>
+                                    <p:anim calcmode="lin" valueType="num">
+                                      <p:cBhvr>
+                                        <p:cTn id="8" dur="1000" fill="hold"/>
+                                        <p:tgtEl>
+                                          <p:spTgt spid="4098"/>
+                                        </p:tgtEl>
+                                        <p:attrNameLst>
+                                          <p:attrName>ppt_x</p:attrName>
+                                        </p:attrNameLst>
+                                      </p:cBhvr>
+                                      <p:tavLst>
+                                        <p:tav tm="0">
+                                          <p:val>
+                                            <p:strVal val="#ppt_x"/>
+                                          </p:val>
+                                        </p:tav>
+                                        <p:tav tm="100000">
+                                          <p:val>
+                                            <p:strVal val="#ppt_x"/>
+                                          </p:val>
+                                        </p:tav>
+                                      </p:tavLst>
+                                    </p:anim>
+                                    <p:anim calcmode="lin" valueType="num">
+                                      <p:cBhvr>
+                                        <p:cTn id="9" dur="1000" fill="hold"/>
+                                        <p:tgtEl>
+                                          <p:spTgt spid="4098"/>
+                                        </p:tgtEl>
+                                        <p:attrNameLst>
+                                          <p:attrName>ppt_y</p:attrName>
+                                        </p:attrNameLst>
+                                      </p:cBhvr>
+                                      <p:tavLst>
+                                        <p:tav tm="0">
+                                          <p:val>
+                                            <p:strVal val="#ppt_y+.1"/>
+                                          </p:val>
+                                        </p:tav>
+                                        <p:tav tm="100000">
+                                          <p:val>
+                                            <p:strVal val="#ppt_y"/>
+                                          </p:val>
+                                        </p:tav>
+                                      </p:tavLst>
+                                    </p:anim>
+                                  </p:childTnLst>
+                                </p:cTn>
+                              </p:par>
+                              <p:par>
+                                <p:cTn id="10" presetID="42" presetClass="entr" presetSubtype="0" fill="hold" nodeType="withEffect">
+                                  <p:stCondLst>
+                                    <p:cond delay="0"/>
+                                  </p:stCondLst>
+                                  <p:childTnLst>
+                                    <p:set>
+                                      <p:cBhvr>
+                                        <p:cTn id="11" dur="1" fill="hold">
+                                          <p:stCondLst>
+                                            <p:cond delay="0"/>
+                                          </p:stCondLst>
+                                        </p:cTn>
+                                        <p:tgtEl>
+                                          <p:spTgt spid="2"/>
+                                        </p:tgtEl>
+                                        <p:attrNameLst>
+                                          <p:attrName>style.visibility</p:attrName>
+                                        </p:attrNameLst>
+                                      </p:cBhvr>
+                                      <p:to>
+                                        <p:strVal val="visible"/>
+                                      </p:to>
+                                    </p:set>
+                                    <p:animEffect transition="in" filter="fade">
+                                      <p:cBhvr>
+                                        <p:cTn id="12" dur="1000"/>
+                                        <p:tgtEl>
+                                          <p:spTgt spid="2"/>
+                                        </p:tgtEl>
+                                      </p:cBhvr>
+                                    </p:animEffect>
+                                    <p:anim calcmode="lin" valueType="num">
+                                      <p:cBhvr>
+                                        <p:cTn id="13" dur="1000" fill="hold"/>
+                                        <p:tgtEl>
+                                          <p:spTgt spid="2"/>
+                                        </p:tgtEl>
+                                        <p:attrNameLst>
+                                          <p:attrName>ppt_x</p:attrName>
+                                        </p:attrNameLst>
+                                      </p:cBhvr>
+                                      <p:tavLst>
+                                        <p:tav tm="0">
+                                          <p:val>
+                                            <p:strVal val="#ppt_x"/>
+                                          </p:val>
+                                        </p:tav>
+                                        <p:tav tm="100000">
+                                          <p:val>
+                                            <p:strVal val="#ppt_x"/>
+                                          </p:val>
+                                        </p:tav>
+                                      </p:tavLst>
+                                    </p:anim>
+                                    <p:anim calcmode="lin" valueType="num">
+                                      <p:cBhvr>
+                                        <p:cTn id="14" dur="1000" fill="hold"/>
+                                        <p:tgtEl>
+                                          <p:spTgt spid="2"/>
+                                        </p:tgtEl>
+                                        <p:attrNameLst>
+                                          <p:attrName>ppt_y</p:attrName>
+                                        </p:attrNameLst>
+                                      </p:cBhvr>
+                                      <p:tavLst>
+                                        <p:tav tm="0">
+                                          <p:val>
+                                            <p:strVal val="#ppt_y+.1"/>
+                                          </p:val>
+                                        </p:tav>
+                                        <p:tav tm="100000">
+                                          <p:val>
+                                            <p:strVal val="#ppt_y"/>
+                                          </p:val>
+                                        </p:tav>
+                                      </p:tavLst>
+                                    </p:anim>
+                                  </p:childTnLst>
+                                </p:cTn>
+                              </p:par>
+                            </p:childTnLst>
+                          </p:cTn>
+                        </p:par>
+                      </p:childTnLst>
+                    </p:cTn>
+                  </p:par>
+                  <p:par>
+                    <p:cTn id="15" fill="hold">
+                      <p:stCondLst>
+                        <p:cond delay="indefinite"/>
+                      </p:stCondLst>
+                      <p:childTnLst>
+                        <p:par>
+                          <p:cTn id="16" fill="hold">
+                            <p:stCondLst>
+                              <p:cond delay="0"/>
+                            </p:stCondLst>
+                            <p:childTnLst>
+                              <p:par>
+                                <p:cTn id="17" presetID="42" presetClass="exit" presetSubtype="0" fill="hold" nodeType="clickEffect">
+                                  <p:stCondLst>
+                                    <p:cond delay="0"/>
+                                  </p:stCondLst>
+                                  <p:childTnLst>
+                                    <p:animEffect transition="out" filter="fade">
+                                      <p:cBhvr>
+                                        <p:cTn id="18" dur="1000"/>
+                                        <p:tgtEl>
+                                          <p:spTgt spid="4098"/>
+                                        </p:tgtEl>
+                                      </p:cBhvr>
+                                    </p:animEffect>
+                                    <p:anim calcmode="lin" valueType="num">
+                                      <p:cBhvr>
+                                        <p:cTn id="19" dur="1000"/>
+                                        <p:tgtEl>
+                                          <p:spTgt spid="4098"/>
+                                        </p:tgtEl>
+                                        <p:attrNameLst>
+                                          <p:attrName>ppt_x</p:attrName>
+                                        </p:attrNameLst>
+                                      </p:cBhvr>
+                                      <p:tavLst>
+                                        <p:tav tm="0">
+                                          <p:val>
+                                            <p:strVal val="ppt_x"/>
+                                          </p:val>
+                                        </p:tav>
+                                        <p:tav tm="100000">
+                                          <p:val>
+                                            <p:strVal val="ppt_x"/>
+                                          </p:val>
+                                        </p:tav>
+                                      </p:tavLst>
+                                    </p:anim>
+                                    <p:anim calcmode="lin" valueType="num">
+                                      <p:cBhvr>
+                                        <p:cTn id="20" dur="1000"/>
+                                        <p:tgtEl>
+                                          <p:spTgt spid="4098"/>
+                                        </p:tgtEl>
+                                        <p:attrNameLst>
+                                          <p:attrName>ppt_y</p:attrName>
+                                        </p:attrNameLst>
+                                      </p:cBhvr>
+                                      <p:tavLst>
+                                        <p:tav tm="0">
+                                          <p:val>
+                                            <p:strVal val="ppt_y"/>
+                                          </p:val>
+                                        </p:tav>
+                                        <p:tav tm="100000">
+                                          <p:val>
+                                            <p:strVal val="ppt_y+.1"/>
+                                          </p:val>
+                                        </p:tav>
+                                      </p:tavLst>
+                                    </p:anim>
+                                    <p:set>
+                                      <p:cBhvr>
+                                        <p:cTn id="21" dur="1" fill="hold">
+                                          <p:stCondLst>
+                                            <p:cond delay="999"/>
+                                          </p:stCondLst>
+                                        </p:cTn>
+                                        <p:tgtEl>
+                                          <p:spTgt spid="4098"/>
+                                        </p:tgtEl>
+                                        <p:attrNameLst>
+                                          <p:attrName>style.visibility</p:attrName>
+                                        </p:attrNameLst>
+                                      </p:cBhvr>
+                                      <p:to>
+                                        <p:strVal val="hidden"/>
+                                      </p:to>
+                                    </p:set>
+                                  </p:childTnLst>
+                                </p:cTn>
+                              </p:par>
+                              <p:par>
+                                <p:cTn id="22" presetID="42" presetClass="exit" presetSubtype="0" fill="hold" nodeType="withEffect">
+                                  <p:stCondLst>
+                                    <p:cond delay="0"/>
+                                  </p:stCondLst>
+                                  <p:childTnLst>
+                                    <p:animEffect transition="out" filter="fade">
+                                      <p:cBhvr>
+                                        <p:cTn id="23" dur="1000"/>
+                                        <p:tgtEl>
+                                          <p:spTgt spid="2"/>
+                                        </p:tgtEl>
+                                      </p:cBhvr>
+                                    </p:animEffect>
+                                    <p:anim calcmode="lin" valueType="num">
+                                      <p:cBhvr>
+                                        <p:cTn id="24" dur="1000"/>
+                                        <p:tgtEl>
+                                          <p:spTgt spid="2"/>
+                                        </p:tgtEl>
+                                        <p:attrNameLst>
+                                          <p:attrName>ppt_x</p:attrName>
+                                        </p:attrNameLst>
+                                      </p:cBhvr>
+                                      <p:tavLst>
+                                        <p:tav tm="0">
+                                          <p:val>
+                                            <p:strVal val="ppt_x"/>
+                                          </p:val>
+                                        </p:tav>
+                                        <p:tav tm="100000">
+                                          <p:val>
+                                            <p:strVal val="ppt_x"/>
+                                          </p:val>
+                                        </p:tav>
+                                      </p:tavLst>
+                                    </p:anim>
+                                    <p:anim calcmode="lin" valueType="num">
+                                      <p:cBhvr>
+                                        <p:cTn id="25" dur="1000"/>
+                                        <p:tgtEl>
+                                          <p:spTgt spid="2"/>
+                                        </p:tgtEl>
+                                        <p:attrNameLst>
+                                          <p:attrName>ppt_y</p:attrName>
+                                        </p:attrNameLst>
+                                      </p:cBhvr>
+                                      <p:tavLst>
+                                        <p:tav tm="0">
+                                          <p:val>
+                                            <p:strVal val="ppt_y"/>
+                                          </p:val>
+                                        </p:tav>
+                                        <p:tav tm="100000">
+                                          <p:val>
+                                            <p:strVal val="ppt_y+.1"/>
+                                          </p:val>
+                                        </p:tav>
+                                      </p:tavLst>
+                                    </p:anim>
+                                    <p:set>
+                                      <p:cBhvr>
+                                        <p:cTn id="26" dur="1" fill="hold">
+                                          <p:stCondLst>
+                                            <p:cond delay="999"/>
+                                          </p:stCondLst>
+                                        </p:cTn>
+                                        <p:tgtEl>
+                                          <p:spTgt spid="2"/>
+                                        </p:tgtEl>
+                                        <p:attrNameLst>
+                                          <p:attrName>style.visibility</p:attrName>
+                                        </p:attrNameLst>
+                                      </p:cBhvr>
+                                      <p:to>
+                                        <p:strVal val="hidden"/>
+                                      </p:to>
+                                    </p:set>
+                                  </p:childTnLst>
+                                </p:cTn>
+                              </p:par>
+                              <p:par>
+                                <p:cTn id="27" presetID="42" presetClass="entr" presetSubtype="0" fill="hold" nodeType="withEffect">
+                                  <p:stCondLst>
+                                    <p:cond delay="0"/>
+                                  </p:stCondLst>
+                                  <p:childTnLst>
+                                    <p:set>
+                                      <p:cBhvr>
+                                        <p:cTn id="28" dur="1" fill="hold">
+                                          <p:stCondLst>
+                                            <p:cond delay="0"/>
+                                          </p:stCondLst>
+                                        </p:cTn>
+                                        <p:tgtEl>
+                                          <p:spTgt spid="4100"/>
+                                        </p:tgtEl>
+                                        <p:attrNameLst>
+                                          <p:attrName>style.visibility</p:attrName>
+                                        </p:attrNameLst>
+                                      </p:cBhvr>
+                                      <p:to>
+                                        <p:strVal val="visible"/>
+                                      </p:to>
+                                    </p:set>
+                                    <p:animEffect transition="in" filter="fade">
+                                      <p:cBhvr>
+                                        <p:cTn id="29" dur="1000"/>
+                                        <p:tgtEl>
+                                          <p:spTgt spid="4100"/>
+                                        </p:tgtEl>
+                                      </p:cBhvr>
+                                    </p:animEffect>
+                                    <p:anim calcmode="lin" valueType="num">
+                                      <p:cBhvr>
+                                        <p:cTn id="30" dur="1000" fill="hold"/>
+                                        <p:tgtEl>
+                                          <p:spTgt spid="4100"/>
+                                        </p:tgtEl>
+                                        <p:attrNameLst>
+                                          <p:attrName>ppt_x</p:attrName>
+                                        </p:attrNameLst>
+                                      </p:cBhvr>
+                                      <p:tavLst>
+                                        <p:tav tm="0">
+                                          <p:val>
+                                            <p:strVal val="#ppt_x"/>
+                                          </p:val>
+                                        </p:tav>
+                                        <p:tav tm="100000">
+                                          <p:val>
+                                            <p:strVal val="#ppt_x"/>
+                                          </p:val>
+                                        </p:tav>
+                                      </p:tavLst>
+                                    </p:anim>
+                                    <p:anim calcmode="lin" valueType="num">
+                                      <p:cBhvr>
+                                        <p:cTn id="31" dur="1000" fill="hold"/>
+                                        <p:tgtEl>
+                                          <p:spTgt spid="4100"/>
+                                        </p:tgtEl>
+                                        <p:attrNameLst>
+                                          <p:attrName>ppt_y</p:attrName>
+                                        </p:attrNameLst>
+                                      </p:cBhvr>
+                                      <p:tavLst>
+                                        <p:tav tm="0">
+                                          <p:val>
+                                            <p:strVal val="#ppt_y+.1"/>
+                                          </p:val>
+                                        </p:tav>
+                                        <p:tav tm="100000">
+                                          <p:val>
+                                            <p:strVal val="#ppt_y"/>
+                                          </p:val>
+                                        </p:tav>
+                                      </p:tavLst>
+                                    </p:anim>
+                                  </p:childTnLst>
+                                </p:cTn>
+                              </p:par>
+                              <p:par>
+                                <p:cTn id="32" presetID="42" presetClass="entr" presetSubtype="0" fill="hold" nodeType="withEffect">
+                                  <p:stCondLst>
+                                    <p:cond delay="0"/>
+                                  </p:stCondLst>
+                                  <p:childTnLst>
+                                    <p:set>
+                                      <p:cBhvr>
+                                        <p:cTn id="33" dur="1" fill="hold">
+                                          <p:stCondLst>
+                                            <p:cond delay="0"/>
+                                          </p:stCondLst>
+                                        </p:cTn>
+                                        <p:tgtEl>
+                                          <p:spTgt spid="7"/>
+                                        </p:tgtEl>
+                                        <p:attrNameLst>
+                                          <p:attrName>style.visibility</p:attrName>
+                                        </p:attrNameLst>
+                                      </p:cBhvr>
+                                      <p:to>
+                                        <p:strVal val="visible"/>
+                                      </p:to>
+                                    </p:set>
+                                    <p:animEffect transition="in" filter="fade">
+                                      <p:cBhvr>
+                                        <p:cTn id="34" dur="1000"/>
+                                        <p:tgtEl>
+                                          <p:spTgt spid="7"/>
+                                        </p:tgtEl>
+                                      </p:cBhvr>
+                                    </p:animEffect>
+                                    <p:anim calcmode="lin" valueType="num">
+                                      <p:cBhvr>
+                                        <p:cTn id="35" dur="1000" fill="hold"/>
+                                        <p:tgtEl>
+                                          <p:spTgt spid="7"/>
+                                        </p:tgtEl>
+                                        <p:attrNameLst>
+                                          <p:attrName>ppt_x</p:attrName>
+                                        </p:attrNameLst>
+                                      </p:cBhvr>
+                                      <p:tavLst>
+                                        <p:tav tm="0">
+                                          <p:val>
+                                            <p:strVal val="#ppt_x"/>
+                                          </p:val>
+                                        </p:tav>
+                                        <p:tav tm="100000">
+                                          <p:val>
+                                            <p:strVal val="#ppt_x"/>
+                                          </p:val>
+                                        </p:tav>
+                                      </p:tavLst>
+                                    </p:anim>
+                                    <p:anim calcmode="lin" valueType="num">
+                                      <p:cBhvr>
+                                        <p:cTn id="36" dur="1000" fill="hold"/>
+                                        <p:tgtEl>
+                                          <p:spTgt spid="7"/>
+                                        </p:tgtEl>
+                                        <p:attrNameLst>
+                                          <p:attrName>ppt_y</p:attrName>
+                                        </p:attrNameLst>
+                                      </p:cBhvr>
+                                      <p:tavLst>
+                                        <p:tav tm="0">
+                                          <p:val>
+                                            <p:strVal val="#ppt_y+.1"/>
+                                          </p:val>
+                                        </p:tav>
+                                        <p:tav tm="100000">
+                                          <p:val>
+                                            <p:strVal val="#ppt_y"/>
+                                          </p:val>
+                                        </p:tav>
+                                      </p:tavLst>
+                                    </p:anim>
+                                  </p:childTnLst>
+                                </p:cTn>
+                              </p:par>
+                            </p:childTnLst>
+                          </p:cTn>
+                        </p:par>
+                      </p:childTnLst>
+                    </p:cTn>
+                  </p:par>
+                </p:childTnLst>
+              </p:cTn>
+              <p:prevCondLst>
+                <p:cond evt="onPrev" delay="0">
+                  <p:tgtEl>
+                    <p:sldTgt/>
+                  </p:tgtEl>
+                </p:cond>
+              </p:prevCondLst>
+              <p:nextCondLst>
+                <p:cond evt="onNext" delay="0">
+                  <p:tgtEl>
+                    <p:sldTgt/>
+                  </p:tgtEl>
+                </p:cond>
+              </p:nextCondLst>
+            </p:seq>
+          </p:childTnLst>
+        </p:cTn>
+      </p:par>
+    </p:tnLst>
+  </p:timing>
 </p:sld>
 </file>
 
@@ -20694,6 +22329,49 @@
 </a:theme>
 </file>
 
+<file path=ppt/theme/themeOverride1.xml><?xml version="1.0" encoding="utf-8"?>
+<a:themeOverride xmlns:a="http://schemas.openxmlformats.org/drawingml/2006/main">
+  <a:clrScheme name="BrushedMetal">
+    <a:dk1>
+      <a:sysClr val="windowText" lastClr="000000"/>
+    </a:dk1>
+    <a:lt1>
+      <a:sysClr val="window" lastClr="FFFFFF"/>
+    </a:lt1>
+    <a:dk2>
+      <a:srgbClr val="2F333A"/>
+    </a:dk2>
+    <a:lt2>
+      <a:srgbClr val="E4F9F9"/>
+    </a:lt2>
+    <a:accent1>
+      <a:srgbClr val="07CB98"/>
+    </a:accent1>
+    <a:accent2>
+      <a:srgbClr val="5A90D1"/>
+    </a:accent2>
+    <a:accent3>
+      <a:srgbClr val="E6AD1E"/>
+    </a:accent3>
+    <a:accent4>
+      <a:srgbClr val="EA6312"/>
+    </a:accent4>
+    <a:accent5>
+      <a:srgbClr val="8253A9"/>
+    </a:accent5>
+    <a:accent6>
+      <a:srgbClr val="CB274A"/>
+    </a:accent6>
+    <a:hlink>
+      <a:srgbClr val="5A90D1"/>
+    </a:hlink>
+    <a:folHlink>
+      <a:srgbClr val="969696"/>
+    </a:folHlink>
+  </a:clrScheme>
+</a:themeOverride>
+</file>
+
 <file path=customXml/item1.xml><?xml version="1.0" encoding="utf-8"?>
 <p:properties xmlns:p="http://schemas.microsoft.com/office/2006/metadata/properties" xmlns:xsi="http://www.w3.org/2001/XMLSchema-instance" xmlns:pc="http://schemas.microsoft.com/office/infopath/2007/PartnerControls">
   <documentManagement>
@@ -20898,16 +22576,16 @@
 <file path=customXml/itemProps1.xml><?xml version="1.0" encoding="utf-8"?>
 <ds:datastoreItem xmlns:ds="http://schemas.openxmlformats.org/officeDocument/2006/customXml" ds:itemID="{85A16170-AED4-43FB-90C7-1F1653EBFACC}">
   <ds:schemaRefs>
+    <ds:schemaRef ds:uri="http://purl.org/dc/dcmitype/"/>
+    <ds:schemaRef ds:uri="a4f35948-e619-41b3-aa29-22878b09cfd2"/>
+    <ds:schemaRef ds:uri="http://schemas.microsoft.com/office/infopath/2007/PartnerControls"/>
+    <ds:schemaRef ds:uri="http://purl.org/dc/elements/1.1/"/>
+    <ds:schemaRef ds:uri="http://purl.org/dc/terms/"/>
+    <ds:schemaRef ds:uri="http://schemas.microsoft.com/office/2006/documentManagement/types"/>
+    <ds:schemaRef ds:uri="http://www.w3.org/XML/1998/namespace"/>
+    <ds:schemaRef ds:uri="http://schemas.microsoft.com/office/2006/metadata/properties"/>
+    <ds:schemaRef ds:uri="http://schemas.openxmlformats.org/package/2006/metadata/core-properties"/>
     <ds:schemaRef ds:uri="40262f94-9f35-4ac3-9a90-690165a166b7"/>
-    <ds:schemaRef ds:uri="http://purl.org/dc/dcmitype/"/>
-    <ds:schemaRef ds:uri="http://purl.org/dc/terms/"/>
-    <ds:schemaRef ds:uri="http://www.w3.org/XML/1998/namespace"/>
-    <ds:schemaRef ds:uri="http://purl.org/dc/elements/1.1/"/>
-    <ds:schemaRef ds:uri="http://schemas.microsoft.com/office/2006/metadata/properties"/>
-    <ds:schemaRef ds:uri="http://schemas.microsoft.com/office/2006/documentManagement/types"/>
-    <ds:schemaRef ds:uri="http://schemas.microsoft.com/office/infopath/2007/PartnerControls"/>
-    <ds:schemaRef ds:uri="http://schemas.openxmlformats.org/package/2006/metadata/core-properties"/>
-    <ds:schemaRef ds:uri="a4f35948-e619-41b3-aa29-22878b09cfd2"/>
   </ds:schemaRefs>
 </ds:datastoreItem>
 </file>
